--- a/events/2020-04-16/04-supporters.pptx
+++ b/events/2020-04-16/04-supporters.pptx
@@ -5,12 +5,15 @@
     <p:sldMasterId id="2147483660" r:id="rId1"/>
   </p:sldMasterIdLst>
   <p:notesMasterIdLst>
-    <p:notesMasterId r:id="rId5"/>
+    <p:notesMasterId r:id="rId8"/>
   </p:notesMasterIdLst>
   <p:sldIdLst>
     <p:sldId id="256" r:id="rId2"/>
     <p:sldId id="369" r:id="rId3"/>
-    <p:sldId id="368" r:id="rId4"/>
+    <p:sldId id="370" r:id="rId4"/>
+    <p:sldId id="372" r:id="rId5"/>
+    <p:sldId id="373" r:id="rId6"/>
+    <p:sldId id="371" r:id="rId7"/>
   </p:sldIdLst>
   <p:sldSz cx="9144000" cy="6858000" type="screen4x3"/>
   <p:notesSz cx="6858000" cy="9144000"/>
@@ -195,7 +198,7 @@
             <a:fld id="{35305EB0-020F-4995-961E-A35B2BB78D2B}" type="datetimeFigureOut">
               <a:rPr kumimoji="1" lang="ja-JP" altLang="en-US" smtClean="0"/>
               <a:pPr/>
-              <a:t>2020/4/13</a:t>
+              <a:t>2020/4/16</a:t>
             </a:fld>
             <a:endParaRPr kumimoji="1" lang="ja-JP" altLang="en-US"/>
           </a:p>
@@ -52237,13 +52240,30 @@
         </p:spPr>
         <p:txBody>
           <a:bodyPr>
-            <a:normAutofit/>
+            <a:normAutofit fontScale="90000"/>
           </a:bodyPr>
           <a:lstStyle/>
           <a:p>
             <a:r>
               <a:rPr lang="ja-JP" altLang="en-US" dirty="0" smtClean="0"/>
-              <a:t>クラスサポータ・全学サポータ</a:t>
+              <a:t>クラスサポータに</a:t>
+            </a:r>
+            <a:r>
+              <a:rPr lang="ja-JP" altLang="en-US" dirty="0" smtClean="0"/>
+              <a:t>ついて</a:t>
+            </a:r>
+            <a:r>
+              <a:rPr lang="en-US" altLang="ja-JP" dirty="0" smtClean="0"/>
+              <a:t/>
+            </a:r>
+            <a:br>
+              <a:rPr lang="en-US" altLang="ja-JP" dirty="0" smtClean="0"/>
+            </a:br>
+            <a:r>
+              <a:rPr lang="en-US" altLang="ja-JP" sz="4000" dirty="0" smtClean="0">
+                <a:hlinkClick r:id="rId2"/>
+              </a:rPr>
+              <a:t>https://utelecon.github.io/supporters/class</a:t>
             </a:r>
             <a:endParaRPr kumimoji="1" lang="ja-JP" altLang="en-US" dirty="0"/>
           </a:p>
@@ -52324,6 +52344,10 @@
               <a:rPr kumimoji="1" lang="ja-JP" altLang="en-US" dirty="0" smtClean="0"/>
               <a:t>クラスサポータ</a:t>
             </a:r>
+            <a:r>
+              <a:rPr lang="ja-JP" altLang="en-US" dirty="0" smtClean="0"/>
+              <a:t>ー</a:t>
+            </a:r>
             <a:endParaRPr kumimoji="1" lang="ja-JP" altLang="en-US" dirty="0"/>
           </a:p>
         </p:txBody>
@@ -52338,11 +52362,210 @@
             <p:ph idx="1"/>
           </p:nvPr>
         </p:nvSpPr>
-        <p:spPr/>
+        <p:spPr>
+          <a:ln>
+            <a:noFill/>
+          </a:ln>
+        </p:spPr>
         <p:txBody>
-          <a:bodyPr/>
+          <a:bodyPr>
+            <a:normAutofit fontScale="92500" lnSpcReduction="10000"/>
+          </a:bodyPr>
           <a:lstStyle/>
           <a:p>
+            <a:r>
+              <a:rPr kumimoji="1" lang="ja-JP" altLang="en-US" dirty="0" smtClean="0"/>
+              <a:t>たとえて言うならば</a:t>
+            </a:r>
+            <a:r>
+              <a:rPr kumimoji="1" lang="en-US" altLang="ja-JP" dirty="0" smtClean="0"/>
+              <a:t>Lightweight TA</a:t>
+            </a:r>
+          </a:p>
+          <a:p>
+            <a:r>
+              <a:rPr kumimoji="1" lang="ja-JP" altLang="en-US" dirty="0" smtClean="0"/>
+              <a:t>（少なくとも予算的には）</a:t>
+            </a:r>
+            <a:r>
+              <a:rPr kumimoji="1" lang="ja-JP" altLang="en-US" dirty="0" smtClean="0">
+                <a:solidFill>
+                  <a:srgbClr val="F010D5"/>
+                </a:solidFill>
+              </a:rPr>
+              <a:t>希望する全授業</a:t>
+            </a:r>
+            <a:r>
+              <a:rPr kumimoji="1" lang="ja-JP" altLang="en-US" dirty="0" smtClean="0"/>
+              <a:t>に全学</a:t>
+            </a:r>
+            <a:r>
+              <a:rPr kumimoji="1" lang="ja-JP" altLang="en-US" smtClean="0"/>
+              <a:t>予算つけられる</a:t>
+            </a:r>
+            <a:endParaRPr kumimoji="1" lang="en-US" altLang="ja-JP" dirty="0" smtClean="0"/>
+          </a:p>
+          <a:p>
+            <a:r>
+              <a:rPr lang="ja-JP" altLang="en-US" dirty="0" smtClean="0"/>
+              <a:t>想定</a:t>
+            </a:r>
+            <a:r>
+              <a:rPr lang="ja-JP" altLang="en-US" dirty="0" smtClean="0"/>
+              <a:t>する仕事の例</a:t>
+            </a:r>
+            <a:endParaRPr lang="en-US" altLang="ja-JP" dirty="0" smtClean="0"/>
+          </a:p>
+          <a:p>
+            <a:pPr lvl="1"/>
+            <a:r>
+              <a:rPr lang="ja-JP" altLang="en-US" dirty="0" smtClean="0"/>
+              <a:t>授業時間外に</a:t>
+            </a:r>
+            <a:r>
+              <a:rPr lang="ja-JP" altLang="en-US" dirty="0" smtClean="0"/>
+              <a:t>，</a:t>
+            </a:r>
+            <a:r>
+              <a:rPr lang="ja-JP" altLang="en-US" dirty="0" smtClean="0">
+                <a:solidFill>
+                  <a:srgbClr val="F010D5"/>
+                </a:solidFill>
+              </a:rPr>
+              <a:t>先生と事前</a:t>
+            </a:r>
+            <a:r>
+              <a:rPr lang="ja-JP" altLang="en-US" dirty="0" smtClean="0">
+                <a:solidFill>
+                  <a:srgbClr val="F010D5"/>
+                </a:solidFill>
+              </a:rPr>
+              <a:t>練習や試行</a:t>
+            </a:r>
+            <a:r>
+              <a:rPr lang="ja-JP" altLang="en-US" dirty="0" smtClean="0">
+                <a:solidFill>
+                  <a:srgbClr val="F010D5"/>
+                </a:solidFill>
+              </a:rPr>
+              <a:t>錯誤</a:t>
+            </a:r>
+            <a:endParaRPr lang="en-US" altLang="ja-JP" dirty="0" smtClean="0">
+              <a:solidFill>
+                <a:srgbClr val="F010D5"/>
+              </a:solidFill>
+            </a:endParaRPr>
+          </a:p>
+          <a:p>
+            <a:pPr lvl="2"/>
+            <a:r>
+              <a:rPr lang="ja-JP" altLang="en-US" dirty="0" smtClean="0"/>
+              <a:t>「この書画カメラの映りどう</a:t>
+            </a:r>
+            <a:r>
+              <a:rPr lang="en-US" altLang="ja-JP" dirty="0" smtClean="0"/>
+              <a:t>?</a:t>
+            </a:r>
+            <a:r>
+              <a:rPr lang="ja-JP" altLang="en-US" dirty="0" smtClean="0"/>
+              <a:t>」</a:t>
+            </a:r>
+            <a:endParaRPr lang="en-US" altLang="ja-JP" dirty="0" smtClean="0"/>
+          </a:p>
+          <a:p>
+            <a:pPr lvl="1"/>
+            <a:r>
+              <a:rPr lang="ja-JP" altLang="en-US" dirty="0" smtClean="0"/>
+              <a:t>授業中</a:t>
+            </a:r>
+            <a:r>
+              <a:rPr lang="ja-JP" altLang="en-US" dirty="0" smtClean="0"/>
+              <a:t>の</a:t>
+            </a:r>
+            <a:r>
+              <a:rPr lang="ja-JP" altLang="en-US" dirty="0" smtClean="0">
+                <a:solidFill>
+                  <a:srgbClr val="F010D5"/>
+                </a:solidFill>
+              </a:rPr>
+              <a:t>基本的</a:t>
+            </a:r>
+            <a:r>
+              <a:rPr lang="ja-JP" altLang="en-US" dirty="0" smtClean="0">
+                <a:solidFill>
+                  <a:srgbClr val="F010D5"/>
+                </a:solidFill>
+              </a:rPr>
+              <a:t>なトラブル</a:t>
+            </a:r>
+            <a:r>
+              <a:rPr lang="ja-JP" altLang="en-US" dirty="0" smtClean="0"/>
+              <a:t>に</a:t>
+            </a:r>
+            <a:r>
+              <a:rPr lang="ja-JP" altLang="en-US" dirty="0" smtClean="0"/>
+              <a:t>反応</a:t>
+            </a:r>
+            <a:r>
+              <a:rPr lang="ja-JP" altLang="en-US" dirty="0" smtClean="0"/>
+              <a:t>・</a:t>
+            </a:r>
+            <a:r>
+              <a:rPr lang="ja-JP" altLang="en-US" dirty="0" smtClean="0"/>
+              <a:t>介入</a:t>
+            </a:r>
+            <a:endParaRPr lang="en-US" altLang="ja-JP" dirty="0" smtClean="0"/>
+          </a:p>
+          <a:p>
+            <a:pPr lvl="2"/>
+            <a:r>
+              <a:rPr lang="ja-JP" altLang="en-US" dirty="0" smtClean="0"/>
+              <a:t>「先生、声が聞こえてません」</a:t>
+            </a:r>
+            <a:endParaRPr lang="en-US" altLang="ja-JP" dirty="0" smtClean="0"/>
+          </a:p>
+          <a:p>
+            <a:pPr lvl="1"/>
+            <a:r>
+              <a:rPr lang="ja-JP" altLang="en-US" dirty="0" smtClean="0"/>
+              <a:t>関連</a:t>
+            </a:r>
+            <a:r>
+              <a:rPr lang="ja-JP" altLang="en-US" dirty="0" smtClean="0">
+                <a:solidFill>
+                  <a:srgbClr val="F010D5"/>
+                </a:solidFill>
+              </a:rPr>
+              <a:t>情報のゆるやかな収集と</a:t>
+            </a:r>
+            <a:r>
+              <a:rPr lang="ja-JP" altLang="en-US" dirty="0" smtClean="0">
+                <a:solidFill>
+                  <a:srgbClr val="F010D5"/>
+                </a:solidFill>
+              </a:rPr>
+              <a:t>共有</a:t>
+            </a:r>
+            <a:endParaRPr lang="en-US" altLang="ja-JP" dirty="0" smtClean="0">
+              <a:solidFill>
+                <a:srgbClr val="F010D5"/>
+              </a:solidFill>
+            </a:endParaRPr>
+          </a:p>
+          <a:p>
+            <a:pPr lvl="2"/>
+            <a:r>
+              <a:rPr kumimoji="1" lang="ja-JP" altLang="en-US" dirty="0" smtClean="0"/>
+              <a:t>「</a:t>
+            </a:r>
+            <a:r>
+              <a:rPr kumimoji="1" lang="en-US" altLang="ja-JP" dirty="0" smtClean="0"/>
+              <a:t>Zoom</a:t>
+            </a:r>
+            <a:r>
+              <a:rPr kumimoji="1" lang="ja-JP" altLang="en-US" dirty="0" smtClean="0"/>
+              <a:t>が危ないって件、こんな情報が出てました」</a:t>
+            </a:r>
             <a:endParaRPr kumimoji="1" lang="ja-JP" altLang="en-US" dirty="0"/>
           </a:p>
         </p:txBody>
@@ -52459,7 +52682,7 @@
           <a:p>
             <a:r>
               <a:rPr kumimoji="1" lang="ja-JP" altLang="en-US" dirty="0" smtClean="0"/>
-              <a:t>全学スーパーサポータ</a:t>
+              <a:t>想定外の仕事</a:t>
             </a:r>
             <a:endParaRPr kumimoji="1" lang="ja-JP" altLang="en-US" dirty="0"/>
           </a:p>
@@ -52475,11 +52698,174 @@
             <p:ph idx="1"/>
           </p:nvPr>
         </p:nvSpPr>
-        <p:spPr/>
+        <p:spPr>
+          <a:xfrm>
+            <a:off x="457200" y="1500174"/>
+            <a:ext cx="8686800" cy="4525963"/>
+          </a:xfrm>
+        </p:spPr>
         <p:txBody>
-          <a:bodyPr/>
+          <a:bodyPr>
+            <a:normAutofit/>
+          </a:bodyPr>
           <a:lstStyle/>
           <a:p>
+            <a:r>
+              <a:rPr lang="ja-JP" altLang="en-US" dirty="0" smtClean="0">
+                <a:solidFill>
+                  <a:srgbClr val="FF0000"/>
+                </a:solidFill>
+                <a:sym typeface="Symbol"/>
+              </a:rPr>
+              <a:t> </a:t>
+            </a:r>
+            <a:r>
+              <a:rPr lang="ja-JP" altLang="en-US" dirty="0" smtClean="0"/>
+              <a:t>先生が</a:t>
+            </a:r>
+            <a:r>
+              <a:rPr lang="en-US" altLang="ja-JP" dirty="0" smtClean="0"/>
+              <a:t>Web</a:t>
+            </a:r>
+            <a:r>
+              <a:rPr lang="ja-JP" altLang="en-US" dirty="0" smtClean="0"/>
+              <a:t>会議ツールを全く</a:t>
+            </a:r>
+            <a:r>
+              <a:rPr lang="ja-JP" altLang="en-US" dirty="0" smtClean="0"/>
+              <a:t>覚えなくて</a:t>
+            </a:r>
+            <a:r>
+              <a:rPr lang="ja-JP" altLang="en-US" dirty="0" smtClean="0"/>
+              <a:t>も済むようすべてお膳立て</a:t>
+            </a:r>
+            <a:endParaRPr lang="en-US" altLang="ja-JP" dirty="0" smtClean="0"/>
+          </a:p>
+          <a:p>
+            <a:pPr lvl="1"/>
+            <a:r>
+              <a:rPr lang="ja-JP" altLang="en-US" dirty="0" smtClean="0">
+                <a:solidFill>
+                  <a:srgbClr val="FF0000"/>
+                </a:solidFill>
+                <a:sym typeface="Symbol"/>
+              </a:rPr>
+              <a:t> </a:t>
+            </a:r>
+            <a:r>
+              <a:rPr kumimoji="1" lang="ja-JP" altLang="en-US" dirty="0" smtClean="0"/>
+              <a:t>俺が黒板前で喋るからあとはよろしく</a:t>
+            </a:r>
+            <a:endParaRPr kumimoji="1" lang="en-US" altLang="ja-JP" dirty="0" smtClean="0"/>
+          </a:p>
+          <a:p>
+            <a:r>
+              <a:rPr lang="ja-JP" altLang="en-US" dirty="0" smtClean="0">
+                <a:solidFill>
+                  <a:srgbClr val="FF0000"/>
+                </a:solidFill>
+                <a:sym typeface="Symbol"/>
+              </a:rPr>
+              <a:t></a:t>
+            </a:r>
+            <a:r>
+              <a:rPr lang="ja-JP" altLang="en-US" dirty="0" smtClean="0">
+                <a:sym typeface="Symbol"/>
+              </a:rPr>
+              <a:t> </a:t>
+            </a:r>
+            <a:r>
+              <a:rPr lang="ja-JP" altLang="en-US" dirty="0" smtClean="0"/>
+              <a:t>授業</a:t>
+            </a:r>
+            <a:r>
+              <a:rPr lang="ja-JP" altLang="en-US" dirty="0" smtClean="0"/>
+              <a:t>時間中</a:t>
+            </a:r>
+            <a:r>
+              <a:rPr lang="ja-JP" altLang="en-US" dirty="0" smtClean="0"/>
+              <a:t>の</a:t>
+            </a:r>
+            <a:r>
+              <a:rPr lang="ja-JP" altLang="en-US" dirty="0" smtClean="0">
+                <a:solidFill>
+                  <a:srgbClr val="FF0000"/>
+                </a:solidFill>
+              </a:rPr>
+              <a:t>大量</a:t>
+            </a:r>
+            <a:r>
+              <a:rPr lang="ja-JP" altLang="en-US" dirty="0" smtClean="0">
+                <a:solidFill>
+                  <a:srgbClr val="FF0000"/>
+                </a:solidFill>
+              </a:rPr>
+              <a:t>の</a:t>
+            </a:r>
+            <a:r>
+              <a:rPr lang="ja-JP" altLang="en-US" dirty="0" smtClean="0"/>
+              <a:t>トラブルシュート</a:t>
+            </a:r>
+            <a:endParaRPr lang="en-US" altLang="ja-JP" dirty="0" smtClean="0"/>
+          </a:p>
+          <a:p>
+            <a:pPr lvl="1"/>
+            <a:r>
+              <a:rPr lang="ja-JP" altLang="en-US" dirty="0" smtClean="0"/>
+              <a:t>つなげない学生</a:t>
+            </a:r>
+            <a:r>
+              <a:rPr lang="en-US" altLang="ja-JP" dirty="0" smtClean="0"/>
+              <a:t>10</a:t>
+            </a:r>
+            <a:r>
+              <a:rPr lang="ja-JP" altLang="en-US" dirty="0" smtClean="0"/>
+              <a:t>人を解決するなど</a:t>
+            </a:r>
+            <a:endParaRPr lang="en-US" altLang="ja-JP" dirty="0" smtClean="0"/>
+          </a:p>
+          <a:p>
+            <a:pPr lvl="1"/>
+            <a:r>
+              <a:rPr lang="ja-JP" altLang="en-US" dirty="0" smtClean="0"/>
+              <a:t>技術的トラブルシュート専門部隊は</a:t>
+            </a:r>
+            <a:r>
+              <a:rPr lang="ja-JP" altLang="en-US" dirty="0" smtClean="0">
+                <a:solidFill>
+                  <a:srgbClr val="F010D5"/>
+                </a:solidFill>
+              </a:rPr>
+              <a:t>別途組織中</a:t>
+            </a:r>
+            <a:endParaRPr lang="en-US" altLang="ja-JP" dirty="0" smtClean="0">
+              <a:solidFill>
+                <a:srgbClr val="F010D5"/>
+              </a:solidFill>
+            </a:endParaRPr>
+          </a:p>
+          <a:p>
+            <a:r>
+              <a:rPr lang="ja-JP" altLang="en-US" dirty="0" smtClean="0">
+                <a:solidFill>
+                  <a:srgbClr val="FF0000"/>
+                </a:solidFill>
+                <a:sym typeface="Symbol"/>
+              </a:rPr>
+              <a:t> </a:t>
+            </a:r>
+            <a:r>
+              <a:rPr lang="ja-JP" altLang="en-US" dirty="0" smtClean="0"/>
+              <a:t>活動</a:t>
+            </a:r>
+            <a:r>
+              <a:rPr lang="ja-JP" altLang="en-US" dirty="0" smtClean="0"/>
+              <a:t>制限を尊重しない</a:t>
+            </a:r>
+            <a:r>
+              <a:rPr lang="ja-JP" altLang="en-US" dirty="0" smtClean="0"/>
+              <a:t>仕事（例えば現在登校・外出が必須な仕事）</a:t>
+            </a:r>
             <a:endParaRPr kumimoji="1" lang="ja-JP" altLang="en-US" dirty="0"/>
           </a:p>
         </p:txBody>
@@ -52562,10 +52948,2798 @@
 </p:sld>
 </file>
 
+<file path=ppt/slides/slide4.xml><?xml version="1.0" encoding="utf-8"?>
+<p:sld xmlns:a="http://schemas.openxmlformats.org/drawingml/2006/main" xmlns:r="http://schemas.openxmlformats.org/officeDocument/2006/relationships" xmlns:p="http://schemas.openxmlformats.org/presentationml/2006/main">
+  <p:cSld>
+    <p:spTree>
+      <p:nvGrpSpPr>
+        <p:cNvPr id="1" name=""/>
+        <p:cNvGrpSpPr/>
+        <p:nvPr/>
+      </p:nvGrpSpPr>
+      <p:grpSpPr>
+        <a:xfrm>
+          <a:off x="0" y="0"/>
+          <a:ext cx="0" cy="0"/>
+          <a:chOff x="0" y="0"/>
+          <a:chExt cx="0" cy="0"/>
+        </a:xfrm>
+      </p:grpSpPr>
+      <p:sp>
+        <p:nvSpPr>
+          <p:cNvPr id="2" name="タイトル 1"/>
+          <p:cNvSpPr>
+            <a:spLocks noGrp="1"/>
+          </p:cNvSpPr>
+          <p:nvPr>
+            <p:ph type="title"/>
+          </p:nvPr>
+        </p:nvSpPr>
+        <p:spPr/>
+        <p:txBody>
+          <a:bodyPr>
+            <a:normAutofit fontScale="90000"/>
+          </a:bodyPr>
+          <a:lstStyle/>
+          <a:p>
+            <a:r>
+              <a:rPr kumimoji="1" lang="ja-JP" altLang="en-US" dirty="0" smtClean="0"/>
+              <a:t>（教員用）クラスサポータの見つけ方</a:t>
+            </a:r>
+            <a:endParaRPr kumimoji="1" lang="ja-JP" altLang="en-US" dirty="0"/>
+          </a:p>
+        </p:txBody>
+      </p:sp>
+      <p:sp>
+        <p:nvSpPr>
+          <p:cNvPr id="3" name="コンテンツ プレースホルダ 2"/>
+          <p:cNvSpPr>
+            <a:spLocks noGrp="1"/>
+          </p:cNvSpPr>
+          <p:nvPr>
+            <p:ph idx="1"/>
+          </p:nvPr>
+        </p:nvSpPr>
+        <p:spPr/>
+        <p:txBody>
+          <a:bodyPr/>
+          <a:lstStyle/>
+          <a:p>
+            <a:pPr marL="342900" lvl="1" indent="-342900">
+              <a:buClr>
+                <a:schemeClr val="accent1">
+                  <a:shade val="75000"/>
+                </a:schemeClr>
+              </a:buClr>
+              <a:buSzPct val="60000"/>
+            </a:pPr>
+            <a:r>
+              <a:rPr kumimoji="1" lang="ja-JP" altLang="en-US" dirty="0" smtClean="0"/>
+              <a:t>自力で見つける</a:t>
+            </a:r>
+            <a:r>
+              <a:rPr kumimoji="1" lang="ja-JP" altLang="en-US" sz="2000" dirty="0" smtClean="0"/>
+              <a:t>（例：</a:t>
+            </a:r>
+            <a:r>
+              <a:rPr lang="ja-JP" altLang="en-US" sz="2000" dirty="0" smtClean="0"/>
+              <a:t>研究室</a:t>
+            </a:r>
+            <a:r>
+              <a:rPr lang="ja-JP" altLang="en-US" sz="2000" dirty="0" smtClean="0"/>
+              <a:t>、専攻、授業を受ける</a:t>
+            </a:r>
+            <a:r>
+              <a:rPr lang="ja-JP" altLang="en-US" sz="2000" dirty="0" smtClean="0"/>
+              <a:t>学生）</a:t>
+            </a:r>
+            <a:endParaRPr kumimoji="1" lang="en-US" altLang="ja-JP" dirty="0" smtClean="0"/>
+          </a:p>
+          <a:p>
+            <a:pPr lvl="1"/>
+            <a:r>
+              <a:rPr kumimoji="1" lang="ja-JP" altLang="en-US" dirty="0" smtClean="0"/>
+              <a:t>条件に合意したらすぐに始めてください</a:t>
+            </a:r>
+            <a:endParaRPr kumimoji="1" lang="en-US" altLang="ja-JP" dirty="0" smtClean="0"/>
+          </a:p>
+          <a:p>
+            <a:pPr lvl="1"/>
+            <a:r>
+              <a:rPr lang="ja-JP" altLang="en-US" dirty="0" smtClean="0">
+                <a:sym typeface="Symbol"/>
+              </a:rPr>
+              <a:t> </a:t>
+            </a:r>
+            <a:r>
+              <a:rPr lang="ja-JP" altLang="en-US" dirty="0" smtClean="0"/>
+              <a:t>開始報告フォーム</a:t>
+            </a:r>
+            <a:r>
+              <a:rPr lang="ja-JP" altLang="en-US" dirty="0" smtClean="0"/>
+              <a:t>（先生または学生）</a:t>
+            </a:r>
+            <a:endParaRPr lang="en-US" altLang="ja-JP" dirty="0" smtClean="0"/>
+          </a:p>
+          <a:p>
+            <a:r>
+              <a:rPr kumimoji="1" lang="ja-JP" altLang="en-US" dirty="0" smtClean="0"/>
+              <a:t>全学マッチングサポート利用</a:t>
+            </a:r>
+            <a:endParaRPr kumimoji="1" lang="en-US" altLang="ja-JP" dirty="0" smtClean="0"/>
+          </a:p>
+          <a:p>
+            <a:pPr lvl="1"/>
+            <a:r>
+              <a:rPr lang="ja-JP" altLang="en-US" dirty="0" smtClean="0">
+                <a:sym typeface="Symbol"/>
+              </a:rPr>
+              <a:t> </a:t>
+            </a:r>
+            <a:r>
+              <a:rPr lang="ja-JP" altLang="en-US" dirty="0" smtClean="0"/>
+              <a:t>割り当て希望フォーム</a:t>
+            </a:r>
+            <a:endParaRPr kumimoji="1" lang="ja-JP" altLang="en-US" dirty="0"/>
+          </a:p>
+        </p:txBody>
+      </p:sp>
+      <p:sp>
+        <p:nvSpPr>
+          <p:cNvPr id="4" name="日付プレースホルダ 3"/>
+          <p:cNvSpPr>
+            <a:spLocks noGrp="1"/>
+          </p:cNvSpPr>
+          <p:nvPr>
+            <p:ph type="dt" sz="half" idx="10"/>
+          </p:nvPr>
+        </p:nvSpPr>
+        <p:spPr/>
+        <p:txBody>
+          <a:bodyPr/>
+          <a:lstStyle/>
+          <a:p>
+            <a:r>
+              <a:rPr kumimoji="1" lang="en-US" altLang="ja-JP" smtClean="0"/>
+              <a:t>2020/4/16</a:t>
+            </a:r>
+            <a:endParaRPr kumimoji="1" lang="ja-JP" altLang="en-US"/>
+          </a:p>
+        </p:txBody>
+      </p:sp>
+      <p:sp>
+        <p:nvSpPr>
+          <p:cNvPr id="5" name="フッター プレースホルダ 4"/>
+          <p:cNvSpPr>
+            <a:spLocks noGrp="1"/>
+          </p:cNvSpPr>
+          <p:nvPr>
+            <p:ph type="ftr" sz="quarter" idx="11"/>
+          </p:nvPr>
+        </p:nvSpPr>
+        <p:spPr/>
+        <p:txBody>
+          <a:bodyPr/>
+          <a:lstStyle/>
+          <a:p>
+            <a:r>
+              <a:rPr kumimoji="1" lang="en-US" altLang="ja-JP" smtClean="0"/>
+              <a:t>utelecon.github.io</a:t>
+            </a:r>
+            <a:endParaRPr kumimoji="1" lang="ja-JP" altLang="en-US"/>
+          </a:p>
+        </p:txBody>
+      </p:sp>
+      <p:sp>
+        <p:nvSpPr>
+          <p:cNvPr id="6" name="スライド番号プレースホルダ 5"/>
+          <p:cNvSpPr>
+            <a:spLocks noGrp="1"/>
+          </p:cNvSpPr>
+          <p:nvPr>
+            <p:ph type="sldNum" sz="quarter" idx="12"/>
+          </p:nvPr>
+        </p:nvSpPr>
+        <p:spPr/>
+        <p:txBody>
+          <a:bodyPr/>
+          <a:lstStyle/>
+          <a:p>
+            <a:fld id="{EDF77D8D-9987-453A-9A05-EB91CA595C68}" type="slidenum">
+              <a:rPr kumimoji="1" lang="ja-JP" altLang="en-US" smtClean="0"/>
+              <a:pPr/>
+              <a:t>4</a:t>
+            </a:fld>
+            <a:endParaRPr kumimoji="1" lang="ja-JP" altLang="en-US"/>
+          </a:p>
+        </p:txBody>
+      </p:sp>
+      <p:pic>
+        <p:nvPicPr>
+          <p:cNvPr id="8" name="図 7" descr="taiiku_jersey_boy2.png"/>
+          <p:cNvPicPr>
+            <a:picLocks noChangeAspect="1"/>
+          </p:cNvPicPr>
+          <p:nvPr/>
+        </p:nvPicPr>
+        <p:blipFill>
+          <a:blip r:embed="rId2" cstate="print"/>
+          <a:stretch>
+            <a:fillRect/>
+          </a:stretch>
+        </p:blipFill>
+        <p:spPr>
+          <a:xfrm>
+            <a:off x="3635896" y="5569144"/>
+            <a:ext cx="360040" cy="669841"/>
+          </a:xfrm>
+          <a:prstGeom prst="rect">
+            <a:avLst/>
+          </a:prstGeom>
+        </p:spPr>
+      </p:pic>
+      <p:pic>
+        <p:nvPicPr>
+          <p:cNvPr id="9" name="図 8" descr="taiiku_jersey_boy5.png"/>
+          <p:cNvPicPr>
+            <a:picLocks noChangeAspect="1"/>
+          </p:cNvPicPr>
+          <p:nvPr/>
+        </p:nvPicPr>
+        <p:blipFill>
+          <a:blip r:embed="rId3" cstate="print"/>
+          <a:stretch>
+            <a:fillRect/>
+          </a:stretch>
+        </p:blipFill>
+        <p:spPr>
+          <a:xfrm>
+            <a:off x="6156176" y="5373216"/>
+            <a:ext cx="397642" cy="739800"/>
+          </a:xfrm>
+          <a:prstGeom prst="rect">
+            <a:avLst/>
+          </a:prstGeom>
+        </p:spPr>
+      </p:pic>
+      <p:pic>
+        <p:nvPicPr>
+          <p:cNvPr id="10" name="図 9" descr="taiiku_jersey_girl4.png"/>
+          <p:cNvPicPr>
+            <a:picLocks noChangeAspect="1"/>
+          </p:cNvPicPr>
+          <p:nvPr/>
+        </p:nvPicPr>
+        <p:blipFill>
+          <a:blip r:embed="rId4" cstate="print"/>
+          <a:stretch>
+            <a:fillRect/>
+          </a:stretch>
+        </p:blipFill>
+        <p:spPr>
+          <a:xfrm>
+            <a:off x="6516216" y="4437112"/>
+            <a:ext cx="432048" cy="803810"/>
+          </a:xfrm>
+          <a:prstGeom prst="rect">
+            <a:avLst/>
+          </a:prstGeom>
+        </p:spPr>
+      </p:pic>
+      <p:pic>
+        <p:nvPicPr>
+          <p:cNvPr id="11" name="図 10" descr="taiiku_jersey_girl7.png"/>
+          <p:cNvPicPr>
+            <a:picLocks noChangeAspect="1"/>
+          </p:cNvPicPr>
+          <p:nvPr/>
+        </p:nvPicPr>
+        <p:blipFill>
+          <a:blip r:embed="rId5" cstate="print"/>
+          <a:stretch>
+            <a:fillRect/>
+          </a:stretch>
+        </p:blipFill>
+        <p:spPr>
+          <a:xfrm>
+            <a:off x="5364088" y="5445224"/>
+            <a:ext cx="360040" cy="669842"/>
+          </a:xfrm>
+          <a:prstGeom prst="rect">
+            <a:avLst/>
+          </a:prstGeom>
+        </p:spPr>
+      </p:pic>
+      <p:pic>
+        <p:nvPicPr>
+          <p:cNvPr id="12" name="図 11" descr="job_teacher_man.png"/>
+          <p:cNvPicPr>
+            <a:picLocks noChangeAspect="1"/>
+          </p:cNvPicPr>
+          <p:nvPr/>
+        </p:nvPicPr>
+        <p:blipFill>
+          <a:blip r:embed="rId6" cstate="print"/>
+          <a:stretch>
+            <a:fillRect/>
+          </a:stretch>
+        </p:blipFill>
+        <p:spPr>
+          <a:xfrm>
+            <a:off x="1475656" y="4293096"/>
+            <a:ext cx="648072" cy="883233"/>
+          </a:xfrm>
+          <a:prstGeom prst="rect">
+            <a:avLst/>
+          </a:prstGeom>
+        </p:spPr>
+      </p:pic>
+      <p:pic>
+        <p:nvPicPr>
+          <p:cNvPr id="13" name="図 12" descr="job_teacher_woman.png"/>
+          <p:cNvPicPr>
+            <a:picLocks noChangeAspect="1"/>
+          </p:cNvPicPr>
+          <p:nvPr/>
+        </p:nvPicPr>
+        <p:blipFill>
+          <a:blip r:embed="rId7" cstate="print"/>
+          <a:stretch>
+            <a:fillRect/>
+          </a:stretch>
+        </p:blipFill>
+        <p:spPr>
+          <a:xfrm>
+            <a:off x="6588224" y="5267244"/>
+            <a:ext cx="648072" cy="845772"/>
+          </a:xfrm>
+          <a:prstGeom prst="rect">
+            <a:avLst/>
+          </a:prstGeom>
+        </p:spPr>
+      </p:pic>
+      <p:pic>
+        <p:nvPicPr>
+          <p:cNvPr id="14" name="図 13" descr="taiiku_jersey_boy5.png"/>
+          <p:cNvPicPr>
+            <a:picLocks noChangeAspect="1"/>
+          </p:cNvPicPr>
+          <p:nvPr/>
+        </p:nvPicPr>
+        <p:blipFill>
+          <a:blip r:embed="rId3" cstate="print"/>
+          <a:stretch>
+            <a:fillRect/>
+          </a:stretch>
+        </p:blipFill>
+        <p:spPr>
+          <a:xfrm>
+            <a:off x="7668344" y="4725144"/>
+            <a:ext cx="397642" cy="739800"/>
+          </a:xfrm>
+          <a:prstGeom prst="rect">
+            <a:avLst/>
+          </a:prstGeom>
+        </p:spPr>
+      </p:pic>
+      <p:pic>
+        <p:nvPicPr>
+          <p:cNvPr id="15" name="図 14" descr="taiiku_jersey_boy2.png"/>
+          <p:cNvPicPr>
+            <a:picLocks noChangeAspect="1"/>
+          </p:cNvPicPr>
+          <p:nvPr/>
+        </p:nvPicPr>
+        <p:blipFill>
+          <a:blip r:embed="rId2" cstate="print"/>
+          <a:stretch>
+            <a:fillRect/>
+          </a:stretch>
+        </p:blipFill>
+        <p:spPr>
+          <a:xfrm>
+            <a:off x="7380312" y="5805264"/>
+            <a:ext cx="349239" cy="649746"/>
+          </a:xfrm>
+          <a:prstGeom prst="rect">
+            <a:avLst/>
+          </a:prstGeom>
+        </p:spPr>
+      </p:pic>
+      <p:sp>
+        <p:nvSpPr>
+          <p:cNvPr id="16" name="正方形/長方形 15"/>
+          <p:cNvSpPr/>
+          <p:nvPr/>
+        </p:nvSpPr>
+        <p:spPr>
+          <a:xfrm>
+            <a:off x="3707904" y="4293096"/>
+            <a:ext cx="1368152" cy="648072"/>
+          </a:xfrm>
+          <a:prstGeom prst="rect">
+            <a:avLst/>
+          </a:prstGeom>
+          <a:solidFill>
+            <a:schemeClr val="bg1"/>
+          </a:solidFill>
+        </p:spPr>
+        <p:style>
+          <a:lnRef idx="2">
+            <a:schemeClr val="accent1">
+              <a:shade val="50000"/>
+            </a:schemeClr>
+          </a:lnRef>
+          <a:fillRef idx="1">
+            <a:schemeClr val="accent1"/>
+          </a:fillRef>
+          <a:effectRef idx="0">
+            <a:schemeClr val="accent1"/>
+          </a:effectRef>
+          <a:fontRef idx="minor">
+            <a:schemeClr val="lt1"/>
+          </a:fontRef>
+        </p:style>
+        <p:txBody>
+          <a:bodyPr rtlCol="0" anchor="ctr"/>
+          <a:lstStyle/>
+          <a:p>
+            <a:pPr algn="ctr"/>
+            <a:r>
+              <a:rPr kumimoji="1" lang="ja-JP" altLang="en-US" sz="1400" dirty="0" smtClean="0">
+                <a:solidFill>
+                  <a:schemeClr val="tx1"/>
+                </a:solidFill>
+              </a:rPr>
+              <a:t>マッチング</a:t>
+            </a:r>
+            <a:endParaRPr kumimoji="1" lang="ja-JP" altLang="en-US" sz="1400" dirty="0">
+              <a:solidFill>
+                <a:schemeClr val="tx1"/>
+              </a:solidFill>
+            </a:endParaRPr>
+          </a:p>
+        </p:txBody>
+      </p:sp>
+      <p:pic>
+        <p:nvPicPr>
+          <p:cNvPr id="17" name="図 16" descr="job_teacher_man.png"/>
+          <p:cNvPicPr>
+            <a:picLocks noChangeAspect="1"/>
+          </p:cNvPicPr>
+          <p:nvPr/>
+        </p:nvPicPr>
+        <p:blipFill>
+          <a:blip r:embed="rId6" cstate="print"/>
+          <a:stretch>
+            <a:fillRect/>
+          </a:stretch>
+        </p:blipFill>
+        <p:spPr>
+          <a:xfrm>
+            <a:off x="1187624" y="5301208"/>
+            <a:ext cx="648072" cy="883233"/>
+          </a:xfrm>
+          <a:prstGeom prst="rect">
+            <a:avLst/>
+          </a:prstGeom>
+        </p:spPr>
+      </p:pic>
+      <p:pic>
+        <p:nvPicPr>
+          <p:cNvPr id="18" name="図 17" descr="job_teacher_woman.png"/>
+          <p:cNvPicPr>
+            <a:picLocks noChangeAspect="1"/>
+          </p:cNvPicPr>
+          <p:nvPr/>
+        </p:nvPicPr>
+        <p:blipFill>
+          <a:blip r:embed="rId7" cstate="print"/>
+          <a:stretch>
+            <a:fillRect/>
+          </a:stretch>
+        </p:blipFill>
+        <p:spPr>
+          <a:xfrm>
+            <a:off x="1763688" y="5301208"/>
+            <a:ext cx="648072" cy="845772"/>
+          </a:xfrm>
+          <a:prstGeom prst="rect">
+            <a:avLst/>
+          </a:prstGeom>
+        </p:spPr>
+      </p:pic>
+      <p:pic>
+        <p:nvPicPr>
+          <p:cNvPr id="19" name="図 18" descr="taiiku_jersey_girl4.png"/>
+          <p:cNvPicPr>
+            <a:picLocks noChangeAspect="1"/>
+          </p:cNvPicPr>
+          <p:nvPr/>
+        </p:nvPicPr>
+        <p:blipFill>
+          <a:blip r:embed="rId4" cstate="print"/>
+          <a:stretch>
+            <a:fillRect/>
+          </a:stretch>
+        </p:blipFill>
+        <p:spPr>
+          <a:xfrm>
+            <a:off x="4067944" y="5507184"/>
+            <a:ext cx="360040" cy="669842"/>
+          </a:xfrm>
+          <a:prstGeom prst="rect">
+            <a:avLst/>
+          </a:prstGeom>
+        </p:spPr>
+      </p:pic>
+      <p:pic>
+        <p:nvPicPr>
+          <p:cNvPr id="20" name="図 19" descr="taiiku_jersey_boy5.png"/>
+          <p:cNvPicPr>
+            <a:picLocks noChangeAspect="1"/>
+          </p:cNvPicPr>
+          <p:nvPr/>
+        </p:nvPicPr>
+        <p:blipFill>
+          <a:blip r:embed="rId3" cstate="print"/>
+          <a:stretch>
+            <a:fillRect/>
+          </a:stretch>
+        </p:blipFill>
+        <p:spPr>
+          <a:xfrm>
+            <a:off x="4932040" y="5731204"/>
+            <a:ext cx="360040" cy="669843"/>
+          </a:xfrm>
+          <a:prstGeom prst="rect">
+            <a:avLst/>
+          </a:prstGeom>
+        </p:spPr>
+      </p:pic>
+      <p:pic>
+        <p:nvPicPr>
+          <p:cNvPr id="21" name="図 20" descr="taiiku_jersey_boy2.png"/>
+          <p:cNvPicPr>
+            <a:picLocks noChangeAspect="1"/>
+          </p:cNvPicPr>
+          <p:nvPr/>
+        </p:nvPicPr>
+        <p:blipFill>
+          <a:blip r:embed="rId2" cstate="print"/>
+          <a:stretch>
+            <a:fillRect/>
+          </a:stretch>
+        </p:blipFill>
+        <p:spPr>
+          <a:xfrm>
+            <a:off x="4499992" y="5733256"/>
+            <a:ext cx="360040" cy="669841"/>
+          </a:xfrm>
+          <a:prstGeom prst="rect">
+            <a:avLst/>
+          </a:prstGeom>
+        </p:spPr>
+      </p:pic>
+      <p:pic>
+        <p:nvPicPr>
+          <p:cNvPr id="22" name="図 21" descr="taiiku_jersey_boy2.png"/>
+          <p:cNvPicPr>
+            <a:picLocks noChangeAspect="1"/>
+          </p:cNvPicPr>
+          <p:nvPr/>
+        </p:nvPicPr>
+        <p:blipFill>
+          <a:blip r:embed="rId2" cstate="print"/>
+          <a:stretch>
+            <a:fillRect/>
+          </a:stretch>
+        </p:blipFill>
+        <p:spPr>
+          <a:xfrm>
+            <a:off x="539552" y="4077072"/>
+            <a:ext cx="360040" cy="669841"/>
+          </a:xfrm>
+          <a:prstGeom prst="rect">
+            <a:avLst/>
+          </a:prstGeom>
+        </p:spPr>
+      </p:pic>
+      <p:pic>
+        <p:nvPicPr>
+          <p:cNvPr id="23" name="図 22" descr="job_teacher_woman.png"/>
+          <p:cNvPicPr>
+            <a:picLocks noChangeAspect="1"/>
+          </p:cNvPicPr>
+          <p:nvPr/>
+        </p:nvPicPr>
+        <p:blipFill>
+          <a:blip r:embed="rId7" cstate="print"/>
+          <a:stretch>
+            <a:fillRect/>
+          </a:stretch>
+        </p:blipFill>
+        <p:spPr>
+          <a:xfrm>
+            <a:off x="2411760" y="5661248"/>
+            <a:ext cx="648072" cy="845772"/>
+          </a:xfrm>
+          <a:prstGeom prst="rect">
+            <a:avLst/>
+          </a:prstGeom>
+        </p:spPr>
+      </p:pic>
+      <p:pic>
+        <p:nvPicPr>
+          <p:cNvPr id="24" name="図 23" descr="job_teacher_man.png"/>
+          <p:cNvPicPr>
+            <a:picLocks noChangeAspect="1"/>
+          </p:cNvPicPr>
+          <p:nvPr/>
+        </p:nvPicPr>
+        <p:blipFill>
+          <a:blip r:embed="rId6" cstate="print"/>
+          <a:stretch>
+            <a:fillRect/>
+          </a:stretch>
+        </p:blipFill>
+        <p:spPr>
+          <a:xfrm>
+            <a:off x="2195736" y="4797152"/>
+            <a:ext cx="648072" cy="883233"/>
+          </a:xfrm>
+          <a:prstGeom prst="rect">
+            <a:avLst/>
+          </a:prstGeom>
+        </p:spPr>
+      </p:pic>
+      <p:pic>
+        <p:nvPicPr>
+          <p:cNvPr id="25" name="図 24" descr="taiiku_jersey_girl4.png"/>
+          <p:cNvPicPr>
+            <a:picLocks noChangeAspect="1"/>
+          </p:cNvPicPr>
+          <p:nvPr/>
+        </p:nvPicPr>
+        <p:blipFill>
+          <a:blip r:embed="rId4" cstate="print"/>
+          <a:stretch>
+            <a:fillRect/>
+          </a:stretch>
+        </p:blipFill>
+        <p:spPr>
+          <a:xfrm>
+            <a:off x="467544" y="4941168"/>
+            <a:ext cx="360040" cy="669842"/>
+          </a:xfrm>
+          <a:prstGeom prst="rect">
+            <a:avLst/>
+          </a:prstGeom>
+        </p:spPr>
+      </p:pic>
+      <p:cxnSp>
+        <p:nvCxnSpPr>
+          <p:cNvPr id="27" name="直線コネクタ 26"/>
+          <p:cNvCxnSpPr>
+            <a:stCxn id="13" idx="3"/>
+            <a:endCxn id="14" idx="1"/>
+          </p:cNvCxnSpPr>
+          <p:nvPr/>
+        </p:nvCxnSpPr>
+        <p:spPr>
+          <a:xfrm flipV="1">
+            <a:off x="7236296" y="5095044"/>
+            <a:ext cx="432048" cy="595086"/>
+          </a:xfrm>
+          <a:prstGeom prst="line">
+            <a:avLst/>
+          </a:prstGeom>
+          <a:ln w="38100"/>
+        </p:spPr>
+        <p:style>
+          <a:lnRef idx="1">
+            <a:schemeClr val="accent1"/>
+          </a:lnRef>
+          <a:fillRef idx="0">
+            <a:schemeClr val="accent1"/>
+          </a:fillRef>
+          <a:effectRef idx="0">
+            <a:schemeClr val="accent1"/>
+          </a:effectRef>
+          <a:fontRef idx="minor">
+            <a:schemeClr val="tx1"/>
+          </a:fontRef>
+        </p:style>
+      </p:cxnSp>
+      <p:cxnSp>
+        <p:nvCxnSpPr>
+          <p:cNvPr id="30" name="直線コネクタ 29"/>
+          <p:cNvCxnSpPr>
+            <a:stCxn id="12" idx="1"/>
+            <a:endCxn id="22" idx="3"/>
+          </p:cNvCxnSpPr>
+          <p:nvPr/>
+        </p:nvCxnSpPr>
+        <p:spPr>
+          <a:xfrm flipH="1" flipV="1">
+            <a:off x="899592" y="4411993"/>
+            <a:ext cx="576064" cy="322720"/>
+          </a:xfrm>
+          <a:prstGeom prst="line">
+            <a:avLst/>
+          </a:prstGeom>
+          <a:ln w="38100"/>
+        </p:spPr>
+        <p:style>
+          <a:lnRef idx="1">
+            <a:schemeClr val="accent1"/>
+          </a:lnRef>
+          <a:fillRef idx="0">
+            <a:schemeClr val="accent1"/>
+          </a:fillRef>
+          <a:effectRef idx="0">
+            <a:schemeClr val="accent1"/>
+          </a:effectRef>
+          <a:fontRef idx="minor">
+            <a:schemeClr val="tx1"/>
+          </a:fontRef>
+        </p:style>
+      </p:cxnSp>
+      <p:cxnSp>
+        <p:nvCxnSpPr>
+          <p:cNvPr id="33" name="直線コネクタ 32"/>
+          <p:cNvCxnSpPr>
+            <a:stCxn id="17" idx="1"/>
+            <a:endCxn id="25" idx="3"/>
+          </p:cNvCxnSpPr>
+          <p:nvPr/>
+        </p:nvCxnSpPr>
+        <p:spPr>
+          <a:xfrm flipH="1" flipV="1">
+            <a:off x="827584" y="5276089"/>
+            <a:ext cx="360040" cy="466736"/>
+          </a:xfrm>
+          <a:prstGeom prst="line">
+            <a:avLst/>
+          </a:prstGeom>
+          <a:ln w="38100"/>
+        </p:spPr>
+        <p:style>
+          <a:lnRef idx="1">
+            <a:schemeClr val="accent1"/>
+          </a:lnRef>
+          <a:fillRef idx="0">
+            <a:schemeClr val="accent1"/>
+          </a:fillRef>
+          <a:effectRef idx="0">
+            <a:schemeClr val="accent1"/>
+          </a:effectRef>
+          <a:fontRef idx="minor">
+            <a:schemeClr val="tx1"/>
+          </a:fontRef>
+        </p:style>
+      </p:cxnSp>
+      <p:cxnSp>
+        <p:nvCxnSpPr>
+          <p:cNvPr id="39" name="直線コネクタ 38"/>
+          <p:cNvCxnSpPr>
+            <a:stCxn id="24" idx="3"/>
+            <a:endCxn id="16" idx="1"/>
+          </p:cNvCxnSpPr>
+          <p:nvPr/>
+        </p:nvCxnSpPr>
+        <p:spPr>
+          <a:xfrm flipV="1">
+            <a:off x="2843808" y="4617132"/>
+            <a:ext cx="864096" cy="621637"/>
+          </a:xfrm>
+          <a:prstGeom prst="line">
+            <a:avLst/>
+          </a:prstGeom>
+          <a:ln w="25400">
+            <a:solidFill>
+              <a:schemeClr val="accent4">
+                <a:lumMod val="50000"/>
+              </a:schemeClr>
+            </a:solidFill>
+          </a:ln>
+        </p:spPr>
+        <p:style>
+          <a:lnRef idx="1">
+            <a:schemeClr val="accent1"/>
+          </a:lnRef>
+          <a:fillRef idx="0">
+            <a:schemeClr val="accent1"/>
+          </a:fillRef>
+          <a:effectRef idx="0">
+            <a:schemeClr val="accent1"/>
+          </a:effectRef>
+          <a:fontRef idx="minor">
+            <a:schemeClr val="tx1"/>
+          </a:fontRef>
+        </p:style>
+      </p:cxnSp>
+      <p:cxnSp>
+        <p:nvCxnSpPr>
+          <p:cNvPr id="40" name="直線コネクタ 39"/>
+          <p:cNvCxnSpPr>
+            <a:stCxn id="23" idx="3"/>
+            <a:endCxn id="16" idx="1"/>
+          </p:cNvCxnSpPr>
+          <p:nvPr/>
+        </p:nvCxnSpPr>
+        <p:spPr>
+          <a:xfrm flipV="1">
+            <a:off x="3059832" y="4617132"/>
+            <a:ext cx="648072" cy="1467002"/>
+          </a:xfrm>
+          <a:prstGeom prst="line">
+            <a:avLst/>
+          </a:prstGeom>
+          <a:ln w="25400">
+            <a:solidFill>
+              <a:schemeClr val="accent4">
+                <a:lumMod val="50000"/>
+              </a:schemeClr>
+            </a:solidFill>
+          </a:ln>
+        </p:spPr>
+        <p:style>
+          <a:lnRef idx="1">
+            <a:schemeClr val="accent1"/>
+          </a:lnRef>
+          <a:fillRef idx="0">
+            <a:schemeClr val="accent1"/>
+          </a:fillRef>
+          <a:effectRef idx="0">
+            <a:schemeClr val="accent1"/>
+          </a:effectRef>
+          <a:fontRef idx="minor">
+            <a:schemeClr val="tx1"/>
+          </a:fontRef>
+        </p:style>
+      </p:cxnSp>
+      <p:cxnSp>
+        <p:nvCxnSpPr>
+          <p:cNvPr id="45" name="直線コネクタ 44"/>
+          <p:cNvCxnSpPr>
+            <a:stCxn id="8" idx="0"/>
+            <a:endCxn id="16" idx="2"/>
+          </p:cNvCxnSpPr>
+          <p:nvPr/>
+        </p:nvCxnSpPr>
+        <p:spPr>
+          <a:xfrm flipV="1">
+            <a:off x="3815916" y="4941168"/>
+            <a:ext cx="576064" cy="627976"/>
+          </a:xfrm>
+          <a:prstGeom prst="line">
+            <a:avLst/>
+          </a:prstGeom>
+          <a:ln w="25400">
+            <a:solidFill>
+              <a:srgbClr val="7030A0"/>
+            </a:solidFill>
+          </a:ln>
+        </p:spPr>
+        <p:style>
+          <a:lnRef idx="1">
+            <a:schemeClr val="accent1"/>
+          </a:lnRef>
+          <a:fillRef idx="0">
+            <a:schemeClr val="accent1"/>
+          </a:fillRef>
+          <a:effectRef idx="0">
+            <a:schemeClr val="accent1"/>
+          </a:effectRef>
+          <a:fontRef idx="minor">
+            <a:schemeClr val="tx1"/>
+          </a:fontRef>
+        </p:style>
+      </p:cxnSp>
+      <p:cxnSp>
+        <p:nvCxnSpPr>
+          <p:cNvPr id="46" name="直線コネクタ 45"/>
+          <p:cNvCxnSpPr>
+            <a:stCxn id="19" idx="0"/>
+            <a:endCxn id="16" idx="2"/>
+          </p:cNvCxnSpPr>
+          <p:nvPr/>
+        </p:nvCxnSpPr>
+        <p:spPr>
+          <a:xfrm flipV="1">
+            <a:off x="4247964" y="4941168"/>
+            <a:ext cx="144016" cy="566016"/>
+          </a:xfrm>
+          <a:prstGeom prst="line">
+            <a:avLst/>
+          </a:prstGeom>
+          <a:ln w="25400">
+            <a:solidFill>
+              <a:srgbClr val="7030A0"/>
+            </a:solidFill>
+          </a:ln>
+        </p:spPr>
+        <p:style>
+          <a:lnRef idx="1">
+            <a:schemeClr val="accent1"/>
+          </a:lnRef>
+          <a:fillRef idx="0">
+            <a:schemeClr val="accent1"/>
+          </a:fillRef>
+          <a:effectRef idx="0">
+            <a:schemeClr val="accent1"/>
+          </a:effectRef>
+          <a:fontRef idx="minor">
+            <a:schemeClr val="tx1"/>
+          </a:fontRef>
+        </p:style>
+      </p:cxnSp>
+      <p:cxnSp>
+        <p:nvCxnSpPr>
+          <p:cNvPr id="49" name="直線コネクタ 48"/>
+          <p:cNvCxnSpPr>
+            <a:stCxn id="21" idx="0"/>
+            <a:endCxn id="16" idx="2"/>
+          </p:cNvCxnSpPr>
+          <p:nvPr/>
+        </p:nvCxnSpPr>
+        <p:spPr>
+          <a:xfrm flipH="1" flipV="1">
+            <a:off x="4391980" y="4941168"/>
+            <a:ext cx="288032" cy="792088"/>
+          </a:xfrm>
+          <a:prstGeom prst="line">
+            <a:avLst/>
+          </a:prstGeom>
+          <a:ln w="25400">
+            <a:solidFill>
+              <a:srgbClr val="7030A0"/>
+            </a:solidFill>
+          </a:ln>
+        </p:spPr>
+        <p:style>
+          <a:lnRef idx="1">
+            <a:schemeClr val="accent1"/>
+          </a:lnRef>
+          <a:fillRef idx="0">
+            <a:schemeClr val="accent1"/>
+          </a:fillRef>
+          <a:effectRef idx="0">
+            <a:schemeClr val="accent1"/>
+          </a:effectRef>
+          <a:fontRef idx="minor">
+            <a:schemeClr val="tx1"/>
+          </a:fontRef>
+        </p:style>
+      </p:cxnSp>
+      <p:cxnSp>
+        <p:nvCxnSpPr>
+          <p:cNvPr id="52" name="直線コネクタ 51"/>
+          <p:cNvCxnSpPr>
+            <a:stCxn id="20" idx="0"/>
+            <a:endCxn id="16" idx="2"/>
+          </p:cNvCxnSpPr>
+          <p:nvPr/>
+        </p:nvCxnSpPr>
+        <p:spPr>
+          <a:xfrm flipH="1" flipV="1">
+            <a:off x="4391980" y="4941168"/>
+            <a:ext cx="720080" cy="790036"/>
+          </a:xfrm>
+          <a:prstGeom prst="line">
+            <a:avLst/>
+          </a:prstGeom>
+          <a:ln w="25400">
+            <a:solidFill>
+              <a:srgbClr val="7030A0"/>
+            </a:solidFill>
+          </a:ln>
+        </p:spPr>
+        <p:style>
+          <a:lnRef idx="1">
+            <a:schemeClr val="accent1"/>
+          </a:lnRef>
+          <a:fillRef idx="0">
+            <a:schemeClr val="accent1"/>
+          </a:fillRef>
+          <a:effectRef idx="0">
+            <a:schemeClr val="accent1"/>
+          </a:effectRef>
+          <a:fontRef idx="minor">
+            <a:schemeClr val="tx1"/>
+          </a:fontRef>
+        </p:style>
+      </p:cxnSp>
+      <p:cxnSp>
+        <p:nvCxnSpPr>
+          <p:cNvPr id="56" name="直線コネクタ 55"/>
+          <p:cNvCxnSpPr>
+            <a:stCxn id="11" idx="0"/>
+            <a:endCxn id="16" idx="2"/>
+          </p:cNvCxnSpPr>
+          <p:nvPr/>
+        </p:nvCxnSpPr>
+        <p:spPr>
+          <a:xfrm flipH="1" flipV="1">
+            <a:off x="4391980" y="4941168"/>
+            <a:ext cx="1152128" cy="504056"/>
+          </a:xfrm>
+          <a:prstGeom prst="line">
+            <a:avLst/>
+          </a:prstGeom>
+          <a:ln w="25400">
+            <a:solidFill>
+              <a:srgbClr val="7030A0"/>
+            </a:solidFill>
+          </a:ln>
+        </p:spPr>
+        <p:style>
+          <a:lnRef idx="1">
+            <a:schemeClr val="accent1"/>
+          </a:lnRef>
+          <a:fillRef idx="0">
+            <a:schemeClr val="accent1"/>
+          </a:fillRef>
+          <a:effectRef idx="0">
+            <a:schemeClr val="accent1"/>
+          </a:effectRef>
+          <a:fontRef idx="minor">
+            <a:schemeClr val="tx1"/>
+          </a:fontRef>
+        </p:style>
+      </p:cxnSp>
+      <p:sp>
+        <p:nvSpPr>
+          <p:cNvPr id="60" name="テキスト ボックス 59"/>
+          <p:cNvSpPr txBox="1"/>
+          <p:nvPr/>
+        </p:nvSpPr>
+        <p:spPr>
+          <a:xfrm>
+            <a:off x="7596336" y="3573016"/>
+            <a:ext cx="1107996" cy="369332"/>
+          </a:xfrm>
+          <a:prstGeom prst="rect">
+            <a:avLst/>
+          </a:prstGeom>
+          <a:noFill/>
+        </p:spPr>
+        <p:txBody>
+          <a:bodyPr wrap="none" rtlCol="0">
+            <a:spAutoFit/>
+          </a:bodyPr>
+          <a:lstStyle/>
+          <a:p>
+            <a:r>
+              <a:rPr kumimoji="1" lang="ja-JP" altLang="en-US" dirty="0" smtClean="0"/>
+              <a:t>開始報告</a:t>
+            </a:r>
+            <a:endParaRPr kumimoji="1" lang="ja-JP" altLang="en-US" dirty="0"/>
+          </a:p>
+        </p:txBody>
+      </p:sp>
+      <p:sp>
+        <p:nvSpPr>
+          <p:cNvPr id="63" name="フリーフォーム 62"/>
+          <p:cNvSpPr/>
+          <p:nvPr/>
+        </p:nvSpPr>
+        <p:spPr>
+          <a:xfrm>
+            <a:off x="7334250" y="3771900"/>
+            <a:ext cx="298450" cy="1625600"/>
+          </a:xfrm>
+          <a:custGeom>
+            <a:avLst/>
+            <a:gdLst>
+              <a:gd name="connsiteX0" fmla="*/ 266700 w 266700"/>
+              <a:gd name="connsiteY0" fmla="*/ 0 h 1625600"/>
+              <a:gd name="connsiteX1" fmla="*/ 0 w 266700"/>
+              <a:gd name="connsiteY1" fmla="*/ 317500 h 1625600"/>
+              <a:gd name="connsiteX2" fmla="*/ 76200 w 266700"/>
+              <a:gd name="connsiteY2" fmla="*/ 1625600 h 1625600"/>
+              <a:gd name="connsiteX0" fmla="*/ 298450 w 298450"/>
+              <a:gd name="connsiteY0" fmla="*/ 0 h 1625600"/>
+              <a:gd name="connsiteX1" fmla="*/ 31750 w 298450"/>
+              <a:gd name="connsiteY1" fmla="*/ 317500 h 1625600"/>
+              <a:gd name="connsiteX2" fmla="*/ 107950 w 298450"/>
+              <a:gd name="connsiteY2" fmla="*/ 1625600 h 1625600"/>
+            </a:gdLst>
+            <a:ahLst/>
+            <a:cxnLst>
+              <a:cxn ang="0">
+                <a:pos x="connsiteX0" y="connsiteY0"/>
+              </a:cxn>
+              <a:cxn ang="0">
+                <a:pos x="connsiteX1" y="connsiteY1"/>
+              </a:cxn>
+              <a:cxn ang="0">
+                <a:pos x="connsiteX2" y="connsiteY2"/>
+              </a:cxn>
+            </a:cxnLst>
+            <a:rect l="l" t="t" r="r" b="b"/>
+            <a:pathLst>
+              <a:path w="298450" h="1625600">
+                <a:moveTo>
+                  <a:pt x="298450" y="0"/>
+                </a:moveTo>
+                <a:cubicBezTo>
+                  <a:pt x="209550" y="105833"/>
+                  <a:pt x="63500" y="46567"/>
+                  <a:pt x="31750" y="317500"/>
+                </a:cubicBezTo>
+                <a:cubicBezTo>
+                  <a:pt x="0" y="588433"/>
+                  <a:pt x="82550" y="1189567"/>
+                  <a:pt x="107950" y="1625600"/>
+                </a:cubicBezTo>
+              </a:path>
+            </a:pathLst>
+          </a:custGeom>
+        </p:spPr>
+        <p:style>
+          <a:lnRef idx="1">
+            <a:schemeClr val="accent1"/>
+          </a:lnRef>
+          <a:fillRef idx="0">
+            <a:schemeClr val="accent1"/>
+          </a:fillRef>
+          <a:effectRef idx="0">
+            <a:schemeClr val="accent1"/>
+          </a:effectRef>
+          <a:fontRef idx="minor">
+            <a:schemeClr val="tx1"/>
+          </a:fontRef>
+        </p:style>
+        <p:txBody>
+          <a:bodyPr rtlCol="0" anchor="ctr"/>
+          <a:lstStyle/>
+          <a:p>
+            <a:pPr algn="ctr"/>
+            <a:endParaRPr kumimoji="1" lang="ja-JP" altLang="en-US"/>
+          </a:p>
+        </p:txBody>
+      </p:sp>
+      <p:sp>
+        <p:nvSpPr>
+          <p:cNvPr id="64" name="テキスト ボックス 63"/>
+          <p:cNvSpPr txBox="1"/>
+          <p:nvPr/>
+        </p:nvSpPr>
+        <p:spPr>
+          <a:xfrm>
+            <a:off x="2411760" y="4149080"/>
+            <a:ext cx="1261884" cy="307777"/>
+          </a:xfrm>
+          <a:prstGeom prst="rect">
+            <a:avLst/>
+          </a:prstGeom>
+          <a:noFill/>
+        </p:spPr>
+        <p:txBody>
+          <a:bodyPr wrap="none" rtlCol="0">
+            <a:spAutoFit/>
+          </a:bodyPr>
+          <a:lstStyle/>
+          <a:p>
+            <a:r>
+              <a:rPr kumimoji="1" lang="ja-JP" altLang="en-US" sz="1400" dirty="0" smtClean="0"/>
+              <a:t>割り当て希望</a:t>
+            </a:r>
+            <a:endParaRPr kumimoji="1" lang="ja-JP" altLang="en-US" sz="1400" dirty="0"/>
+          </a:p>
+        </p:txBody>
+      </p:sp>
+      <p:sp>
+        <p:nvSpPr>
+          <p:cNvPr id="65" name="フリーフォーム 64"/>
+          <p:cNvSpPr/>
+          <p:nvPr/>
+        </p:nvSpPr>
+        <p:spPr>
+          <a:xfrm>
+            <a:off x="3022600" y="4457700"/>
+            <a:ext cx="139700" cy="533400"/>
+          </a:xfrm>
+          <a:custGeom>
+            <a:avLst/>
+            <a:gdLst>
+              <a:gd name="connsiteX0" fmla="*/ 0 w 139700"/>
+              <a:gd name="connsiteY0" fmla="*/ 0 h 533400"/>
+              <a:gd name="connsiteX1" fmla="*/ 88900 w 139700"/>
+              <a:gd name="connsiteY1" fmla="*/ 203200 h 533400"/>
+              <a:gd name="connsiteX2" fmla="*/ 139700 w 139700"/>
+              <a:gd name="connsiteY2" fmla="*/ 533400 h 533400"/>
+              <a:gd name="connsiteX0" fmla="*/ 0 w 139700"/>
+              <a:gd name="connsiteY0" fmla="*/ 0 h 533400"/>
+              <a:gd name="connsiteX1" fmla="*/ 88900 w 139700"/>
+              <a:gd name="connsiteY1" fmla="*/ 203200 h 533400"/>
+              <a:gd name="connsiteX2" fmla="*/ 139700 w 139700"/>
+              <a:gd name="connsiteY2" fmla="*/ 533400 h 533400"/>
+            </a:gdLst>
+            <a:ahLst/>
+            <a:cxnLst>
+              <a:cxn ang="0">
+                <a:pos x="connsiteX0" y="connsiteY0"/>
+              </a:cxn>
+              <a:cxn ang="0">
+                <a:pos x="connsiteX1" y="connsiteY1"/>
+              </a:cxn>
+              <a:cxn ang="0">
+                <a:pos x="connsiteX2" y="connsiteY2"/>
+              </a:cxn>
+            </a:cxnLst>
+            <a:rect l="l" t="t" r="r" b="b"/>
+            <a:pathLst>
+              <a:path w="139700" h="533400">
+                <a:moveTo>
+                  <a:pt x="0" y="0"/>
+                </a:moveTo>
+                <a:cubicBezTo>
+                  <a:pt x="29633" y="67733"/>
+                  <a:pt x="65617" y="114300"/>
+                  <a:pt x="88900" y="203200"/>
+                </a:cubicBezTo>
+                <a:cubicBezTo>
+                  <a:pt x="112183" y="292100"/>
+                  <a:pt x="122767" y="423333"/>
+                  <a:pt x="139700" y="533400"/>
+                </a:cubicBezTo>
+              </a:path>
+            </a:pathLst>
+          </a:custGeom>
+        </p:spPr>
+        <p:style>
+          <a:lnRef idx="1">
+            <a:schemeClr val="accent1"/>
+          </a:lnRef>
+          <a:fillRef idx="0">
+            <a:schemeClr val="accent1"/>
+          </a:fillRef>
+          <a:effectRef idx="0">
+            <a:schemeClr val="accent1"/>
+          </a:effectRef>
+          <a:fontRef idx="minor">
+            <a:schemeClr val="tx1"/>
+          </a:fontRef>
+        </p:style>
+        <p:txBody>
+          <a:bodyPr rtlCol="0" anchor="ctr"/>
+          <a:lstStyle/>
+          <a:p>
+            <a:pPr algn="ctr"/>
+            <a:endParaRPr kumimoji="1" lang="ja-JP" altLang="en-US"/>
+          </a:p>
+        </p:txBody>
+      </p:sp>
+    </p:spTree>
+  </p:cSld>
+  <p:clrMapOvr>
+    <a:masterClrMapping/>
+  </p:clrMapOvr>
+</p:sld>
+</file>
+
+<file path=ppt/slides/slide5.xml><?xml version="1.0" encoding="utf-8"?>
+<p:sld xmlns:a="http://schemas.openxmlformats.org/drawingml/2006/main" xmlns:r="http://schemas.openxmlformats.org/officeDocument/2006/relationships" xmlns:p="http://schemas.openxmlformats.org/presentationml/2006/main">
+  <p:cSld>
+    <p:spTree>
+      <p:nvGrpSpPr>
+        <p:cNvPr id="1" name=""/>
+        <p:cNvGrpSpPr/>
+        <p:nvPr/>
+      </p:nvGrpSpPr>
+      <p:grpSpPr>
+        <a:xfrm>
+          <a:off x="0" y="0"/>
+          <a:ext cx="0" cy="0"/>
+          <a:chOff x="0" y="0"/>
+          <a:chExt cx="0" cy="0"/>
+        </a:xfrm>
+      </p:grpSpPr>
+      <p:sp>
+        <p:nvSpPr>
+          <p:cNvPr id="2" name="タイトル 1"/>
+          <p:cNvSpPr>
+            <a:spLocks noGrp="1"/>
+          </p:cNvSpPr>
+          <p:nvPr>
+            <p:ph type="title"/>
+          </p:nvPr>
+        </p:nvSpPr>
+        <p:spPr/>
+        <p:txBody>
+          <a:bodyPr>
+            <a:normAutofit fontScale="90000"/>
+          </a:bodyPr>
+          <a:lstStyle/>
+          <a:p>
+            <a:r>
+              <a:rPr kumimoji="1" lang="ja-JP" altLang="en-US" dirty="0" smtClean="0"/>
+              <a:t>（</a:t>
+            </a:r>
+            <a:r>
+              <a:rPr lang="ja-JP" altLang="en-US" dirty="0" smtClean="0"/>
+              <a:t>学生</a:t>
+            </a:r>
+            <a:r>
+              <a:rPr kumimoji="1" lang="ja-JP" altLang="en-US" dirty="0" smtClean="0"/>
+              <a:t>用）クラスサポータになるには</a:t>
+            </a:r>
+            <a:endParaRPr kumimoji="1" lang="ja-JP" altLang="en-US" dirty="0"/>
+          </a:p>
+        </p:txBody>
+      </p:sp>
+      <p:sp>
+        <p:nvSpPr>
+          <p:cNvPr id="3" name="コンテンツ プレースホルダ 2"/>
+          <p:cNvSpPr>
+            <a:spLocks noGrp="1"/>
+          </p:cNvSpPr>
+          <p:nvPr>
+            <p:ph idx="1"/>
+          </p:nvPr>
+        </p:nvSpPr>
+        <p:spPr/>
+        <p:txBody>
+          <a:bodyPr/>
+          <a:lstStyle/>
+          <a:p>
+            <a:pPr marL="342900" lvl="1" indent="-342900">
+              <a:buClr>
+                <a:schemeClr val="accent1">
+                  <a:shade val="75000"/>
+                </a:schemeClr>
+              </a:buClr>
+              <a:buSzPct val="60000"/>
+            </a:pPr>
+            <a:r>
+              <a:rPr kumimoji="1" lang="ja-JP" altLang="en-US" dirty="0" smtClean="0"/>
+              <a:t>個人的に頼まれた（かつ</a:t>
+            </a:r>
+            <a:r>
+              <a:rPr kumimoji="1" lang="en-US" altLang="ja-JP" dirty="0" smtClean="0"/>
+              <a:t>OK</a:t>
+            </a:r>
+            <a:r>
+              <a:rPr kumimoji="1" lang="ja-JP" altLang="en-US" dirty="0" smtClean="0"/>
+              <a:t>なので）</a:t>
+            </a:r>
+            <a:r>
+              <a:rPr lang="ja-JP" altLang="en-US" dirty="0" smtClean="0"/>
+              <a:t>やる</a:t>
+            </a:r>
+            <a:endParaRPr lang="en-US" altLang="ja-JP" dirty="0" smtClean="0"/>
+          </a:p>
+          <a:p>
+            <a:pPr marL="742950" lvl="2" indent="-342900">
+              <a:buClr>
+                <a:schemeClr val="accent1">
+                  <a:shade val="75000"/>
+                </a:schemeClr>
+              </a:buClr>
+              <a:buSzPct val="60000"/>
+            </a:pPr>
+            <a:r>
+              <a:rPr lang="ja-JP" altLang="en-US" sz="2800" dirty="0" smtClean="0">
+                <a:sym typeface="Symbol"/>
+              </a:rPr>
+              <a:t> </a:t>
+            </a:r>
+            <a:r>
+              <a:rPr lang="ja-JP" altLang="en-US" sz="2800" dirty="0" smtClean="0"/>
+              <a:t>開始</a:t>
+            </a:r>
+            <a:r>
+              <a:rPr lang="ja-JP" altLang="en-US" sz="2800" dirty="0" smtClean="0"/>
+              <a:t>報告</a:t>
+            </a:r>
+            <a:r>
+              <a:rPr lang="ja-JP" altLang="en-US" sz="2800" dirty="0" smtClean="0"/>
+              <a:t>フォーム（先生または学生）</a:t>
+            </a:r>
+            <a:endParaRPr kumimoji="1" lang="en-US" altLang="ja-JP" sz="2800" dirty="0" smtClean="0"/>
+          </a:p>
+          <a:p>
+            <a:r>
+              <a:rPr kumimoji="1" lang="ja-JP" altLang="en-US" dirty="0" smtClean="0"/>
+              <a:t>全学募集に志願する</a:t>
+            </a:r>
+            <a:endParaRPr kumimoji="1" lang="en-US" altLang="ja-JP" dirty="0" smtClean="0"/>
+          </a:p>
+          <a:p>
+            <a:pPr lvl="1"/>
+            <a:r>
+              <a:rPr lang="ja-JP" altLang="en-US" dirty="0" smtClean="0">
+                <a:sym typeface="Symbol"/>
+              </a:rPr>
+              <a:t> </a:t>
+            </a:r>
+            <a:r>
+              <a:rPr lang="ja-JP" altLang="en-US" dirty="0" smtClean="0"/>
+              <a:t>応募フォーム</a:t>
+            </a:r>
+            <a:endParaRPr kumimoji="1" lang="ja-JP" altLang="en-US" dirty="0"/>
+          </a:p>
+        </p:txBody>
+      </p:sp>
+      <p:sp>
+        <p:nvSpPr>
+          <p:cNvPr id="4" name="日付プレースホルダ 3"/>
+          <p:cNvSpPr>
+            <a:spLocks noGrp="1"/>
+          </p:cNvSpPr>
+          <p:nvPr>
+            <p:ph type="dt" sz="half" idx="10"/>
+          </p:nvPr>
+        </p:nvSpPr>
+        <p:spPr/>
+        <p:txBody>
+          <a:bodyPr/>
+          <a:lstStyle/>
+          <a:p>
+            <a:r>
+              <a:rPr kumimoji="1" lang="en-US" altLang="ja-JP" smtClean="0"/>
+              <a:t>2020/4/16</a:t>
+            </a:r>
+            <a:endParaRPr kumimoji="1" lang="ja-JP" altLang="en-US"/>
+          </a:p>
+        </p:txBody>
+      </p:sp>
+      <p:sp>
+        <p:nvSpPr>
+          <p:cNvPr id="5" name="フッター プレースホルダ 4"/>
+          <p:cNvSpPr>
+            <a:spLocks noGrp="1"/>
+          </p:cNvSpPr>
+          <p:nvPr>
+            <p:ph type="ftr" sz="quarter" idx="11"/>
+          </p:nvPr>
+        </p:nvSpPr>
+        <p:spPr/>
+        <p:txBody>
+          <a:bodyPr/>
+          <a:lstStyle/>
+          <a:p>
+            <a:r>
+              <a:rPr kumimoji="1" lang="en-US" altLang="ja-JP" smtClean="0"/>
+              <a:t>utelecon.github.io</a:t>
+            </a:r>
+            <a:endParaRPr kumimoji="1" lang="ja-JP" altLang="en-US"/>
+          </a:p>
+        </p:txBody>
+      </p:sp>
+      <p:sp>
+        <p:nvSpPr>
+          <p:cNvPr id="6" name="スライド番号プレースホルダ 5"/>
+          <p:cNvSpPr>
+            <a:spLocks noGrp="1"/>
+          </p:cNvSpPr>
+          <p:nvPr>
+            <p:ph type="sldNum" sz="quarter" idx="12"/>
+          </p:nvPr>
+        </p:nvSpPr>
+        <p:spPr/>
+        <p:txBody>
+          <a:bodyPr/>
+          <a:lstStyle/>
+          <a:p>
+            <a:fld id="{EDF77D8D-9987-453A-9A05-EB91CA595C68}" type="slidenum">
+              <a:rPr kumimoji="1" lang="ja-JP" altLang="en-US" smtClean="0"/>
+              <a:pPr/>
+              <a:t>5</a:t>
+            </a:fld>
+            <a:endParaRPr kumimoji="1" lang="ja-JP" altLang="en-US"/>
+          </a:p>
+        </p:txBody>
+      </p:sp>
+      <p:pic>
+        <p:nvPicPr>
+          <p:cNvPr id="8" name="図 7" descr="taiiku_jersey_boy2.png"/>
+          <p:cNvPicPr>
+            <a:picLocks noChangeAspect="1"/>
+          </p:cNvPicPr>
+          <p:nvPr/>
+        </p:nvPicPr>
+        <p:blipFill>
+          <a:blip r:embed="rId2" cstate="print"/>
+          <a:stretch>
+            <a:fillRect/>
+          </a:stretch>
+        </p:blipFill>
+        <p:spPr>
+          <a:xfrm>
+            <a:off x="3635896" y="5569144"/>
+            <a:ext cx="360040" cy="669841"/>
+          </a:xfrm>
+          <a:prstGeom prst="rect">
+            <a:avLst/>
+          </a:prstGeom>
+        </p:spPr>
+      </p:pic>
+      <p:pic>
+        <p:nvPicPr>
+          <p:cNvPr id="9" name="図 8" descr="taiiku_jersey_boy5.png"/>
+          <p:cNvPicPr>
+            <a:picLocks noChangeAspect="1"/>
+          </p:cNvPicPr>
+          <p:nvPr/>
+        </p:nvPicPr>
+        <p:blipFill>
+          <a:blip r:embed="rId3" cstate="print"/>
+          <a:stretch>
+            <a:fillRect/>
+          </a:stretch>
+        </p:blipFill>
+        <p:spPr>
+          <a:xfrm>
+            <a:off x="6156176" y="5373216"/>
+            <a:ext cx="397642" cy="739800"/>
+          </a:xfrm>
+          <a:prstGeom prst="rect">
+            <a:avLst/>
+          </a:prstGeom>
+        </p:spPr>
+      </p:pic>
+      <p:pic>
+        <p:nvPicPr>
+          <p:cNvPr id="10" name="図 9" descr="taiiku_jersey_girl4.png"/>
+          <p:cNvPicPr>
+            <a:picLocks noChangeAspect="1"/>
+          </p:cNvPicPr>
+          <p:nvPr/>
+        </p:nvPicPr>
+        <p:blipFill>
+          <a:blip r:embed="rId4" cstate="print"/>
+          <a:stretch>
+            <a:fillRect/>
+          </a:stretch>
+        </p:blipFill>
+        <p:spPr>
+          <a:xfrm>
+            <a:off x="6516216" y="4437112"/>
+            <a:ext cx="432048" cy="803810"/>
+          </a:xfrm>
+          <a:prstGeom prst="rect">
+            <a:avLst/>
+          </a:prstGeom>
+        </p:spPr>
+      </p:pic>
+      <p:pic>
+        <p:nvPicPr>
+          <p:cNvPr id="11" name="図 10" descr="taiiku_jersey_girl7.png"/>
+          <p:cNvPicPr>
+            <a:picLocks noChangeAspect="1"/>
+          </p:cNvPicPr>
+          <p:nvPr/>
+        </p:nvPicPr>
+        <p:blipFill>
+          <a:blip r:embed="rId5" cstate="print"/>
+          <a:stretch>
+            <a:fillRect/>
+          </a:stretch>
+        </p:blipFill>
+        <p:spPr>
+          <a:xfrm>
+            <a:off x="5364088" y="5445224"/>
+            <a:ext cx="360040" cy="669842"/>
+          </a:xfrm>
+          <a:prstGeom prst="rect">
+            <a:avLst/>
+          </a:prstGeom>
+        </p:spPr>
+      </p:pic>
+      <p:pic>
+        <p:nvPicPr>
+          <p:cNvPr id="12" name="図 11" descr="job_teacher_man.png"/>
+          <p:cNvPicPr>
+            <a:picLocks noChangeAspect="1"/>
+          </p:cNvPicPr>
+          <p:nvPr/>
+        </p:nvPicPr>
+        <p:blipFill>
+          <a:blip r:embed="rId6" cstate="print"/>
+          <a:stretch>
+            <a:fillRect/>
+          </a:stretch>
+        </p:blipFill>
+        <p:spPr>
+          <a:xfrm>
+            <a:off x="1475656" y="4293096"/>
+            <a:ext cx="648072" cy="883233"/>
+          </a:xfrm>
+          <a:prstGeom prst="rect">
+            <a:avLst/>
+          </a:prstGeom>
+        </p:spPr>
+      </p:pic>
+      <p:pic>
+        <p:nvPicPr>
+          <p:cNvPr id="13" name="図 12" descr="job_teacher_woman.png"/>
+          <p:cNvPicPr>
+            <a:picLocks noChangeAspect="1"/>
+          </p:cNvPicPr>
+          <p:nvPr/>
+        </p:nvPicPr>
+        <p:blipFill>
+          <a:blip r:embed="rId7" cstate="print"/>
+          <a:stretch>
+            <a:fillRect/>
+          </a:stretch>
+        </p:blipFill>
+        <p:spPr>
+          <a:xfrm>
+            <a:off x="6588224" y="5267244"/>
+            <a:ext cx="648072" cy="845772"/>
+          </a:xfrm>
+          <a:prstGeom prst="rect">
+            <a:avLst/>
+          </a:prstGeom>
+        </p:spPr>
+      </p:pic>
+      <p:pic>
+        <p:nvPicPr>
+          <p:cNvPr id="14" name="図 13" descr="taiiku_jersey_boy5.png"/>
+          <p:cNvPicPr>
+            <a:picLocks noChangeAspect="1"/>
+          </p:cNvPicPr>
+          <p:nvPr/>
+        </p:nvPicPr>
+        <p:blipFill>
+          <a:blip r:embed="rId3" cstate="print"/>
+          <a:stretch>
+            <a:fillRect/>
+          </a:stretch>
+        </p:blipFill>
+        <p:spPr>
+          <a:xfrm>
+            <a:off x="7668344" y="4725144"/>
+            <a:ext cx="397642" cy="739800"/>
+          </a:xfrm>
+          <a:prstGeom prst="rect">
+            <a:avLst/>
+          </a:prstGeom>
+        </p:spPr>
+      </p:pic>
+      <p:pic>
+        <p:nvPicPr>
+          <p:cNvPr id="15" name="図 14" descr="taiiku_jersey_boy2.png"/>
+          <p:cNvPicPr>
+            <a:picLocks noChangeAspect="1"/>
+          </p:cNvPicPr>
+          <p:nvPr/>
+        </p:nvPicPr>
+        <p:blipFill>
+          <a:blip r:embed="rId2" cstate="print"/>
+          <a:stretch>
+            <a:fillRect/>
+          </a:stretch>
+        </p:blipFill>
+        <p:spPr>
+          <a:xfrm>
+            <a:off x="7380312" y="5805264"/>
+            <a:ext cx="349239" cy="649746"/>
+          </a:xfrm>
+          <a:prstGeom prst="rect">
+            <a:avLst/>
+          </a:prstGeom>
+        </p:spPr>
+      </p:pic>
+      <p:sp>
+        <p:nvSpPr>
+          <p:cNvPr id="16" name="正方形/長方形 15"/>
+          <p:cNvSpPr/>
+          <p:nvPr/>
+        </p:nvSpPr>
+        <p:spPr>
+          <a:xfrm>
+            <a:off x="3707904" y="4293096"/>
+            <a:ext cx="1368152" cy="648072"/>
+          </a:xfrm>
+          <a:prstGeom prst="rect">
+            <a:avLst/>
+          </a:prstGeom>
+          <a:solidFill>
+            <a:schemeClr val="bg1"/>
+          </a:solidFill>
+        </p:spPr>
+        <p:style>
+          <a:lnRef idx="2">
+            <a:schemeClr val="accent1">
+              <a:shade val="50000"/>
+            </a:schemeClr>
+          </a:lnRef>
+          <a:fillRef idx="1">
+            <a:schemeClr val="accent1"/>
+          </a:fillRef>
+          <a:effectRef idx="0">
+            <a:schemeClr val="accent1"/>
+          </a:effectRef>
+          <a:fontRef idx="minor">
+            <a:schemeClr val="lt1"/>
+          </a:fontRef>
+        </p:style>
+        <p:txBody>
+          <a:bodyPr rtlCol="0" anchor="ctr"/>
+          <a:lstStyle/>
+          <a:p>
+            <a:pPr algn="ctr"/>
+            <a:r>
+              <a:rPr kumimoji="1" lang="ja-JP" altLang="en-US" sz="1400" dirty="0" smtClean="0">
+                <a:solidFill>
+                  <a:schemeClr val="tx1"/>
+                </a:solidFill>
+              </a:rPr>
+              <a:t>マッチング</a:t>
+            </a:r>
+            <a:endParaRPr kumimoji="1" lang="ja-JP" altLang="en-US" sz="1400" dirty="0">
+              <a:solidFill>
+                <a:schemeClr val="tx1"/>
+              </a:solidFill>
+            </a:endParaRPr>
+          </a:p>
+        </p:txBody>
+      </p:sp>
+      <p:pic>
+        <p:nvPicPr>
+          <p:cNvPr id="17" name="図 16" descr="job_teacher_man.png"/>
+          <p:cNvPicPr>
+            <a:picLocks noChangeAspect="1"/>
+          </p:cNvPicPr>
+          <p:nvPr/>
+        </p:nvPicPr>
+        <p:blipFill>
+          <a:blip r:embed="rId6" cstate="print"/>
+          <a:stretch>
+            <a:fillRect/>
+          </a:stretch>
+        </p:blipFill>
+        <p:spPr>
+          <a:xfrm>
+            <a:off x="1187624" y="5301208"/>
+            <a:ext cx="648072" cy="883233"/>
+          </a:xfrm>
+          <a:prstGeom prst="rect">
+            <a:avLst/>
+          </a:prstGeom>
+        </p:spPr>
+      </p:pic>
+      <p:pic>
+        <p:nvPicPr>
+          <p:cNvPr id="18" name="図 17" descr="job_teacher_woman.png"/>
+          <p:cNvPicPr>
+            <a:picLocks noChangeAspect="1"/>
+          </p:cNvPicPr>
+          <p:nvPr/>
+        </p:nvPicPr>
+        <p:blipFill>
+          <a:blip r:embed="rId7" cstate="print"/>
+          <a:stretch>
+            <a:fillRect/>
+          </a:stretch>
+        </p:blipFill>
+        <p:spPr>
+          <a:xfrm>
+            <a:off x="1763688" y="5301208"/>
+            <a:ext cx="648072" cy="845772"/>
+          </a:xfrm>
+          <a:prstGeom prst="rect">
+            <a:avLst/>
+          </a:prstGeom>
+        </p:spPr>
+      </p:pic>
+      <p:pic>
+        <p:nvPicPr>
+          <p:cNvPr id="19" name="図 18" descr="taiiku_jersey_girl4.png"/>
+          <p:cNvPicPr>
+            <a:picLocks noChangeAspect="1"/>
+          </p:cNvPicPr>
+          <p:nvPr/>
+        </p:nvPicPr>
+        <p:blipFill>
+          <a:blip r:embed="rId4" cstate="print"/>
+          <a:stretch>
+            <a:fillRect/>
+          </a:stretch>
+        </p:blipFill>
+        <p:spPr>
+          <a:xfrm>
+            <a:off x="4067944" y="5507184"/>
+            <a:ext cx="360040" cy="669842"/>
+          </a:xfrm>
+          <a:prstGeom prst="rect">
+            <a:avLst/>
+          </a:prstGeom>
+        </p:spPr>
+      </p:pic>
+      <p:pic>
+        <p:nvPicPr>
+          <p:cNvPr id="20" name="図 19" descr="taiiku_jersey_boy5.png"/>
+          <p:cNvPicPr>
+            <a:picLocks noChangeAspect="1"/>
+          </p:cNvPicPr>
+          <p:nvPr/>
+        </p:nvPicPr>
+        <p:blipFill>
+          <a:blip r:embed="rId3" cstate="print"/>
+          <a:stretch>
+            <a:fillRect/>
+          </a:stretch>
+        </p:blipFill>
+        <p:spPr>
+          <a:xfrm>
+            <a:off x="4932040" y="5731204"/>
+            <a:ext cx="360040" cy="669843"/>
+          </a:xfrm>
+          <a:prstGeom prst="rect">
+            <a:avLst/>
+          </a:prstGeom>
+        </p:spPr>
+      </p:pic>
+      <p:pic>
+        <p:nvPicPr>
+          <p:cNvPr id="21" name="図 20" descr="taiiku_jersey_boy2.png"/>
+          <p:cNvPicPr>
+            <a:picLocks noChangeAspect="1"/>
+          </p:cNvPicPr>
+          <p:nvPr/>
+        </p:nvPicPr>
+        <p:blipFill>
+          <a:blip r:embed="rId2" cstate="print"/>
+          <a:stretch>
+            <a:fillRect/>
+          </a:stretch>
+        </p:blipFill>
+        <p:spPr>
+          <a:xfrm>
+            <a:off x="4499992" y="5733256"/>
+            <a:ext cx="360040" cy="669841"/>
+          </a:xfrm>
+          <a:prstGeom prst="rect">
+            <a:avLst/>
+          </a:prstGeom>
+        </p:spPr>
+      </p:pic>
+      <p:pic>
+        <p:nvPicPr>
+          <p:cNvPr id="22" name="図 21" descr="taiiku_jersey_boy2.png"/>
+          <p:cNvPicPr>
+            <a:picLocks noChangeAspect="1"/>
+          </p:cNvPicPr>
+          <p:nvPr/>
+        </p:nvPicPr>
+        <p:blipFill>
+          <a:blip r:embed="rId2" cstate="print"/>
+          <a:stretch>
+            <a:fillRect/>
+          </a:stretch>
+        </p:blipFill>
+        <p:spPr>
+          <a:xfrm>
+            <a:off x="539552" y="4077072"/>
+            <a:ext cx="360040" cy="669841"/>
+          </a:xfrm>
+          <a:prstGeom prst="rect">
+            <a:avLst/>
+          </a:prstGeom>
+        </p:spPr>
+      </p:pic>
+      <p:pic>
+        <p:nvPicPr>
+          <p:cNvPr id="23" name="図 22" descr="job_teacher_woman.png"/>
+          <p:cNvPicPr>
+            <a:picLocks noChangeAspect="1"/>
+          </p:cNvPicPr>
+          <p:nvPr/>
+        </p:nvPicPr>
+        <p:blipFill>
+          <a:blip r:embed="rId7" cstate="print"/>
+          <a:stretch>
+            <a:fillRect/>
+          </a:stretch>
+        </p:blipFill>
+        <p:spPr>
+          <a:xfrm>
+            <a:off x="2411760" y="5661248"/>
+            <a:ext cx="648072" cy="845772"/>
+          </a:xfrm>
+          <a:prstGeom prst="rect">
+            <a:avLst/>
+          </a:prstGeom>
+        </p:spPr>
+      </p:pic>
+      <p:pic>
+        <p:nvPicPr>
+          <p:cNvPr id="24" name="図 23" descr="job_teacher_man.png"/>
+          <p:cNvPicPr>
+            <a:picLocks noChangeAspect="1"/>
+          </p:cNvPicPr>
+          <p:nvPr/>
+        </p:nvPicPr>
+        <p:blipFill>
+          <a:blip r:embed="rId6" cstate="print"/>
+          <a:stretch>
+            <a:fillRect/>
+          </a:stretch>
+        </p:blipFill>
+        <p:spPr>
+          <a:xfrm>
+            <a:off x="2195736" y="4797152"/>
+            <a:ext cx="648072" cy="883233"/>
+          </a:xfrm>
+          <a:prstGeom prst="rect">
+            <a:avLst/>
+          </a:prstGeom>
+        </p:spPr>
+      </p:pic>
+      <p:pic>
+        <p:nvPicPr>
+          <p:cNvPr id="25" name="図 24" descr="taiiku_jersey_girl4.png"/>
+          <p:cNvPicPr>
+            <a:picLocks noChangeAspect="1"/>
+          </p:cNvPicPr>
+          <p:nvPr/>
+        </p:nvPicPr>
+        <p:blipFill>
+          <a:blip r:embed="rId4" cstate="print"/>
+          <a:stretch>
+            <a:fillRect/>
+          </a:stretch>
+        </p:blipFill>
+        <p:spPr>
+          <a:xfrm>
+            <a:off x="467544" y="4941168"/>
+            <a:ext cx="360040" cy="669842"/>
+          </a:xfrm>
+          <a:prstGeom prst="rect">
+            <a:avLst/>
+          </a:prstGeom>
+        </p:spPr>
+      </p:pic>
+      <p:cxnSp>
+        <p:nvCxnSpPr>
+          <p:cNvPr id="27" name="直線コネクタ 26"/>
+          <p:cNvCxnSpPr>
+            <a:stCxn id="13" idx="3"/>
+            <a:endCxn id="14" idx="1"/>
+          </p:cNvCxnSpPr>
+          <p:nvPr/>
+        </p:nvCxnSpPr>
+        <p:spPr>
+          <a:xfrm flipV="1">
+            <a:off x="7236296" y="5095044"/>
+            <a:ext cx="432048" cy="595086"/>
+          </a:xfrm>
+          <a:prstGeom prst="line">
+            <a:avLst/>
+          </a:prstGeom>
+          <a:ln w="38100"/>
+        </p:spPr>
+        <p:style>
+          <a:lnRef idx="1">
+            <a:schemeClr val="accent1"/>
+          </a:lnRef>
+          <a:fillRef idx="0">
+            <a:schemeClr val="accent1"/>
+          </a:fillRef>
+          <a:effectRef idx="0">
+            <a:schemeClr val="accent1"/>
+          </a:effectRef>
+          <a:fontRef idx="minor">
+            <a:schemeClr val="tx1"/>
+          </a:fontRef>
+        </p:style>
+      </p:cxnSp>
+      <p:cxnSp>
+        <p:nvCxnSpPr>
+          <p:cNvPr id="30" name="直線コネクタ 29"/>
+          <p:cNvCxnSpPr>
+            <a:stCxn id="12" idx="1"/>
+            <a:endCxn id="22" idx="3"/>
+          </p:cNvCxnSpPr>
+          <p:nvPr/>
+        </p:nvCxnSpPr>
+        <p:spPr>
+          <a:xfrm flipH="1" flipV="1">
+            <a:off x="899592" y="4411993"/>
+            <a:ext cx="576064" cy="322720"/>
+          </a:xfrm>
+          <a:prstGeom prst="line">
+            <a:avLst/>
+          </a:prstGeom>
+          <a:ln w="38100"/>
+        </p:spPr>
+        <p:style>
+          <a:lnRef idx="1">
+            <a:schemeClr val="accent1"/>
+          </a:lnRef>
+          <a:fillRef idx="0">
+            <a:schemeClr val="accent1"/>
+          </a:fillRef>
+          <a:effectRef idx="0">
+            <a:schemeClr val="accent1"/>
+          </a:effectRef>
+          <a:fontRef idx="minor">
+            <a:schemeClr val="tx1"/>
+          </a:fontRef>
+        </p:style>
+      </p:cxnSp>
+      <p:cxnSp>
+        <p:nvCxnSpPr>
+          <p:cNvPr id="33" name="直線コネクタ 32"/>
+          <p:cNvCxnSpPr>
+            <a:stCxn id="17" idx="1"/>
+            <a:endCxn id="25" idx="3"/>
+          </p:cNvCxnSpPr>
+          <p:nvPr/>
+        </p:nvCxnSpPr>
+        <p:spPr>
+          <a:xfrm flipH="1" flipV="1">
+            <a:off x="827584" y="5276089"/>
+            <a:ext cx="360040" cy="466736"/>
+          </a:xfrm>
+          <a:prstGeom prst="line">
+            <a:avLst/>
+          </a:prstGeom>
+          <a:ln w="38100"/>
+        </p:spPr>
+        <p:style>
+          <a:lnRef idx="1">
+            <a:schemeClr val="accent1"/>
+          </a:lnRef>
+          <a:fillRef idx="0">
+            <a:schemeClr val="accent1"/>
+          </a:fillRef>
+          <a:effectRef idx="0">
+            <a:schemeClr val="accent1"/>
+          </a:effectRef>
+          <a:fontRef idx="minor">
+            <a:schemeClr val="tx1"/>
+          </a:fontRef>
+        </p:style>
+      </p:cxnSp>
+      <p:cxnSp>
+        <p:nvCxnSpPr>
+          <p:cNvPr id="39" name="直線コネクタ 38"/>
+          <p:cNvCxnSpPr>
+            <a:stCxn id="24" idx="3"/>
+            <a:endCxn id="16" idx="1"/>
+          </p:cNvCxnSpPr>
+          <p:nvPr/>
+        </p:nvCxnSpPr>
+        <p:spPr>
+          <a:xfrm flipV="1">
+            <a:off x="2843808" y="4617132"/>
+            <a:ext cx="864096" cy="621637"/>
+          </a:xfrm>
+          <a:prstGeom prst="line">
+            <a:avLst/>
+          </a:prstGeom>
+          <a:ln w="25400">
+            <a:solidFill>
+              <a:schemeClr val="accent4">
+                <a:lumMod val="50000"/>
+              </a:schemeClr>
+            </a:solidFill>
+          </a:ln>
+        </p:spPr>
+        <p:style>
+          <a:lnRef idx="1">
+            <a:schemeClr val="accent1"/>
+          </a:lnRef>
+          <a:fillRef idx="0">
+            <a:schemeClr val="accent1"/>
+          </a:fillRef>
+          <a:effectRef idx="0">
+            <a:schemeClr val="accent1"/>
+          </a:effectRef>
+          <a:fontRef idx="minor">
+            <a:schemeClr val="tx1"/>
+          </a:fontRef>
+        </p:style>
+      </p:cxnSp>
+      <p:cxnSp>
+        <p:nvCxnSpPr>
+          <p:cNvPr id="40" name="直線コネクタ 39"/>
+          <p:cNvCxnSpPr>
+            <a:stCxn id="23" idx="3"/>
+            <a:endCxn id="16" idx="1"/>
+          </p:cNvCxnSpPr>
+          <p:nvPr/>
+        </p:nvCxnSpPr>
+        <p:spPr>
+          <a:xfrm flipV="1">
+            <a:off x="3059832" y="4617132"/>
+            <a:ext cx="648072" cy="1467002"/>
+          </a:xfrm>
+          <a:prstGeom prst="line">
+            <a:avLst/>
+          </a:prstGeom>
+          <a:ln w="25400">
+            <a:solidFill>
+              <a:schemeClr val="accent4">
+                <a:lumMod val="50000"/>
+              </a:schemeClr>
+            </a:solidFill>
+          </a:ln>
+        </p:spPr>
+        <p:style>
+          <a:lnRef idx="1">
+            <a:schemeClr val="accent1"/>
+          </a:lnRef>
+          <a:fillRef idx="0">
+            <a:schemeClr val="accent1"/>
+          </a:fillRef>
+          <a:effectRef idx="0">
+            <a:schemeClr val="accent1"/>
+          </a:effectRef>
+          <a:fontRef idx="minor">
+            <a:schemeClr val="tx1"/>
+          </a:fontRef>
+        </p:style>
+      </p:cxnSp>
+      <p:cxnSp>
+        <p:nvCxnSpPr>
+          <p:cNvPr id="45" name="直線コネクタ 44"/>
+          <p:cNvCxnSpPr>
+            <a:stCxn id="8" idx="0"/>
+            <a:endCxn id="16" idx="2"/>
+          </p:cNvCxnSpPr>
+          <p:nvPr/>
+        </p:nvCxnSpPr>
+        <p:spPr>
+          <a:xfrm flipV="1">
+            <a:off x="3815916" y="4941168"/>
+            <a:ext cx="576064" cy="627976"/>
+          </a:xfrm>
+          <a:prstGeom prst="line">
+            <a:avLst/>
+          </a:prstGeom>
+          <a:ln w="25400">
+            <a:solidFill>
+              <a:srgbClr val="7030A0"/>
+            </a:solidFill>
+          </a:ln>
+        </p:spPr>
+        <p:style>
+          <a:lnRef idx="1">
+            <a:schemeClr val="accent1"/>
+          </a:lnRef>
+          <a:fillRef idx="0">
+            <a:schemeClr val="accent1"/>
+          </a:fillRef>
+          <a:effectRef idx="0">
+            <a:schemeClr val="accent1"/>
+          </a:effectRef>
+          <a:fontRef idx="minor">
+            <a:schemeClr val="tx1"/>
+          </a:fontRef>
+        </p:style>
+      </p:cxnSp>
+      <p:cxnSp>
+        <p:nvCxnSpPr>
+          <p:cNvPr id="46" name="直線コネクタ 45"/>
+          <p:cNvCxnSpPr>
+            <a:stCxn id="19" idx="0"/>
+            <a:endCxn id="16" idx="2"/>
+          </p:cNvCxnSpPr>
+          <p:nvPr/>
+        </p:nvCxnSpPr>
+        <p:spPr>
+          <a:xfrm flipV="1">
+            <a:off x="4247964" y="4941168"/>
+            <a:ext cx="144016" cy="566016"/>
+          </a:xfrm>
+          <a:prstGeom prst="line">
+            <a:avLst/>
+          </a:prstGeom>
+          <a:ln w="25400">
+            <a:solidFill>
+              <a:srgbClr val="7030A0"/>
+            </a:solidFill>
+          </a:ln>
+        </p:spPr>
+        <p:style>
+          <a:lnRef idx="1">
+            <a:schemeClr val="accent1"/>
+          </a:lnRef>
+          <a:fillRef idx="0">
+            <a:schemeClr val="accent1"/>
+          </a:fillRef>
+          <a:effectRef idx="0">
+            <a:schemeClr val="accent1"/>
+          </a:effectRef>
+          <a:fontRef idx="minor">
+            <a:schemeClr val="tx1"/>
+          </a:fontRef>
+        </p:style>
+      </p:cxnSp>
+      <p:cxnSp>
+        <p:nvCxnSpPr>
+          <p:cNvPr id="49" name="直線コネクタ 48"/>
+          <p:cNvCxnSpPr>
+            <a:stCxn id="21" idx="0"/>
+            <a:endCxn id="16" idx="2"/>
+          </p:cNvCxnSpPr>
+          <p:nvPr/>
+        </p:nvCxnSpPr>
+        <p:spPr>
+          <a:xfrm flipH="1" flipV="1">
+            <a:off x="4391980" y="4941168"/>
+            <a:ext cx="288032" cy="792088"/>
+          </a:xfrm>
+          <a:prstGeom prst="line">
+            <a:avLst/>
+          </a:prstGeom>
+          <a:ln w="25400">
+            <a:solidFill>
+              <a:srgbClr val="7030A0"/>
+            </a:solidFill>
+          </a:ln>
+        </p:spPr>
+        <p:style>
+          <a:lnRef idx="1">
+            <a:schemeClr val="accent1"/>
+          </a:lnRef>
+          <a:fillRef idx="0">
+            <a:schemeClr val="accent1"/>
+          </a:fillRef>
+          <a:effectRef idx="0">
+            <a:schemeClr val="accent1"/>
+          </a:effectRef>
+          <a:fontRef idx="minor">
+            <a:schemeClr val="tx1"/>
+          </a:fontRef>
+        </p:style>
+      </p:cxnSp>
+      <p:cxnSp>
+        <p:nvCxnSpPr>
+          <p:cNvPr id="52" name="直線コネクタ 51"/>
+          <p:cNvCxnSpPr>
+            <a:stCxn id="20" idx="0"/>
+            <a:endCxn id="16" idx="2"/>
+          </p:cNvCxnSpPr>
+          <p:nvPr/>
+        </p:nvCxnSpPr>
+        <p:spPr>
+          <a:xfrm flipH="1" flipV="1">
+            <a:off x="4391980" y="4941168"/>
+            <a:ext cx="720080" cy="790036"/>
+          </a:xfrm>
+          <a:prstGeom prst="line">
+            <a:avLst/>
+          </a:prstGeom>
+          <a:ln w="25400">
+            <a:solidFill>
+              <a:srgbClr val="7030A0"/>
+            </a:solidFill>
+          </a:ln>
+        </p:spPr>
+        <p:style>
+          <a:lnRef idx="1">
+            <a:schemeClr val="accent1"/>
+          </a:lnRef>
+          <a:fillRef idx="0">
+            <a:schemeClr val="accent1"/>
+          </a:fillRef>
+          <a:effectRef idx="0">
+            <a:schemeClr val="accent1"/>
+          </a:effectRef>
+          <a:fontRef idx="minor">
+            <a:schemeClr val="tx1"/>
+          </a:fontRef>
+        </p:style>
+      </p:cxnSp>
+      <p:cxnSp>
+        <p:nvCxnSpPr>
+          <p:cNvPr id="56" name="直線コネクタ 55"/>
+          <p:cNvCxnSpPr>
+            <a:stCxn id="11" idx="0"/>
+            <a:endCxn id="16" idx="2"/>
+          </p:cNvCxnSpPr>
+          <p:nvPr/>
+        </p:nvCxnSpPr>
+        <p:spPr>
+          <a:xfrm flipH="1" flipV="1">
+            <a:off x="4391980" y="4941168"/>
+            <a:ext cx="1152128" cy="504056"/>
+          </a:xfrm>
+          <a:prstGeom prst="line">
+            <a:avLst/>
+          </a:prstGeom>
+          <a:ln w="25400">
+            <a:solidFill>
+              <a:srgbClr val="7030A0"/>
+            </a:solidFill>
+          </a:ln>
+        </p:spPr>
+        <p:style>
+          <a:lnRef idx="1">
+            <a:schemeClr val="accent1"/>
+          </a:lnRef>
+          <a:fillRef idx="0">
+            <a:schemeClr val="accent1"/>
+          </a:fillRef>
+          <a:effectRef idx="0">
+            <a:schemeClr val="accent1"/>
+          </a:effectRef>
+          <a:fontRef idx="minor">
+            <a:schemeClr val="tx1"/>
+          </a:fontRef>
+        </p:style>
+      </p:cxnSp>
+      <p:sp>
+        <p:nvSpPr>
+          <p:cNvPr id="35" name="テキスト ボックス 34"/>
+          <p:cNvSpPr txBox="1"/>
+          <p:nvPr/>
+        </p:nvSpPr>
+        <p:spPr>
+          <a:xfrm>
+            <a:off x="7596336" y="3573016"/>
+            <a:ext cx="1107996" cy="369332"/>
+          </a:xfrm>
+          <a:prstGeom prst="rect">
+            <a:avLst/>
+          </a:prstGeom>
+          <a:noFill/>
+        </p:spPr>
+        <p:txBody>
+          <a:bodyPr wrap="none" rtlCol="0">
+            <a:spAutoFit/>
+          </a:bodyPr>
+          <a:lstStyle/>
+          <a:p>
+            <a:r>
+              <a:rPr kumimoji="1" lang="ja-JP" altLang="en-US" dirty="0" smtClean="0"/>
+              <a:t>開始報告</a:t>
+            </a:r>
+            <a:endParaRPr kumimoji="1" lang="ja-JP" altLang="en-US" dirty="0"/>
+          </a:p>
+        </p:txBody>
+      </p:sp>
+      <p:sp>
+        <p:nvSpPr>
+          <p:cNvPr id="36" name="フリーフォーム 35"/>
+          <p:cNvSpPr/>
+          <p:nvPr/>
+        </p:nvSpPr>
+        <p:spPr>
+          <a:xfrm>
+            <a:off x="7334250" y="3771900"/>
+            <a:ext cx="298450" cy="1625600"/>
+          </a:xfrm>
+          <a:custGeom>
+            <a:avLst/>
+            <a:gdLst>
+              <a:gd name="connsiteX0" fmla="*/ 266700 w 266700"/>
+              <a:gd name="connsiteY0" fmla="*/ 0 h 1625600"/>
+              <a:gd name="connsiteX1" fmla="*/ 0 w 266700"/>
+              <a:gd name="connsiteY1" fmla="*/ 317500 h 1625600"/>
+              <a:gd name="connsiteX2" fmla="*/ 76200 w 266700"/>
+              <a:gd name="connsiteY2" fmla="*/ 1625600 h 1625600"/>
+              <a:gd name="connsiteX0" fmla="*/ 298450 w 298450"/>
+              <a:gd name="connsiteY0" fmla="*/ 0 h 1625600"/>
+              <a:gd name="connsiteX1" fmla="*/ 31750 w 298450"/>
+              <a:gd name="connsiteY1" fmla="*/ 317500 h 1625600"/>
+              <a:gd name="connsiteX2" fmla="*/ 107950 w 298450"/>
+              <a:gd name="connsiteY2" fmla="*/ 1625600 h 1625600"/>
+            </a:gdLst>
+            <a:ahLst/>
+            <a:cxnLst>
+              <a:cxn ang="0">
+                <a:pos x="connsiteX0" y="connsiteY0"/>
+              </a:cxn>
+              <a:cxn ang="0">
+                <a:pos x="connsiteX1" y="connsiteY1"/>
+              </a:cxn>
+              <a:cxn ang="0">
+                <a:pos x="connsiteX2" y="connsiteY2"/>
+              </a:cxn>
+            </a:cxnLst>
+            <a:rect l="l" t="t" r="r" b="b"/>
+            <a:pathLst>
+              <a:path w="298450" h="1625600">
+                <a:moveTo>
+                  <a:pt x="298450" y="0"/>
+                </a:moveTo>
+                <a:cubicBezTo>
+                  <a:pt x="209550" y="105833"/>
+                  <a:pt x="63500" y="46567"/>
+                  <a:pt x="31750" y="317500"/>
+                </a:cubicBezTo>
+                <a:cubicBezTo>
+                  <a:pt x="0" y="588433"/>
+                  <a:pt x="82550" y="1189567"/>
+                  <a:pt x="107950" y="1625600"/>
+                </a:cubicBezTo>
+              </a:path>
+            </a:pathLst>
+          </a:custGeom>
+        </p:spPr>
+        <p:style>
+          <a:lnRef idx="1">
+            <a:schemeClr val="accent1"/>
+          </a:lnRef>
+          <a:fillRef idx="0">
+            <a:schemeClr val="accent1"/>
+          </a:fillRef>
+          <a:effectRef idx="0">
+            <a:schemeClr val="accent1"/>
+          </a:effectRef>
+          <a:fontRef idx="minor">
+            <a:schemeClr val="tx1"/>
+          </a:fontRef>
+        </p:style>
+        <p:txBody>
+          <a:bodyPr rtlCol="0" anchor="ctr"/>
+          <a:lstStyle/>
+          <a:p>
+            <a:pPr algn="ctr"/>
+            <a:endParaRPr kumimoji="1" lang="ja-JP" altLang="en-US"/>
+          </a:p>
+        </p:txBody>
+      </p:sp>
+      <p:sp>
+        <p:nvSpPr>
+          <p:cNvPr id="37" name="テキスト ボックス 36"/>
+          <p:cNvSpPr txBox="1"/>
+          <p:nvPr/>
+        </p:nvSpPr>
+        <p:spPr>
+          <a:xfrm>
+            <a:off x="5580112" y="4653136"/>
+            <a:ext cx="543739" cy="307777"/>
+          </a:xfrm>
+          <a:prstGeom prst="rect">
+            <a:avLst/>
+          </a:prstGeom>
+          <a:noFill/>
+        </p:spPr>
+        <p:txBody>
+          <a:bodyPr wrap="none" rtlCol="0">
+            <a:spAutoFit/>
+          </a:bodyPr>
+          <a:lstStyle/>
+          <a:p>
+            <a:r>
+              <a:rPr kumimoji="1" lang="ja-JP" altLang="en-US" sz="1400" dirty="0" smtClean="0"/>
+              <a:t>志願</a:t>
+            </a:r>
+            <a:endParaRPr kumimoji="1" lang="ja-JP" altLang="en-US" sz="1400" dirty="0"/>
+          </a:p>
+        </p:txBody>
+      </p:sp>
+      <p:sp>
+        <p:nvSpPr>
+          <p:cNvPr id="38" name="フリーフォーム 37"/>
+          <p:cNvSpPr/>
+          <p:nvPr/>
+        </p:nvSpPr>
+        <p:spPr>
+          <a:xfrm>
+            <a:off x="5092700" y="4771752"/>
+            <a:ext cx="487412" cy="447948"/>
+          </a:xfrm>
+          <a:custGeom>
+            <a:avLst/>
+            <a:gdLst>
+              <a:gd name="connsiteX0" fmla="*/ 660400 w 660400"/>
+              <a:gd name="connsiteY0" fmla="*/ 76200 h 152400"/>
+              <a:gd name="connsiteX1" fmla="*/ 177800 w 660400"/>
+              <a:gd name="connsiteY1" fmla="*/ 0 h 152400"/>
+              <a:gd name="connsiteX2" fmla="*/ 0 w 660400"/>
+              <a:gd name="connsiteY2" fmla="*/ 152400 h 152400"/>
+              <a:gd name="connsiteX0" fmla="*/ 660400 w 660400"/>
+              <a:gd name="connsiteY0" fmla="*/ 88900 h 165100"/>
+              <a:gd name="connsiteX1" fmla="*/ 177800 w 660400"/>
+              <a:gd name="connsiteY1" fmla="*/ 12700 h 165100"/>
+              <a:gd name="connsiteX2" fmla="*/ 0 w 660400"/>
+              <a:gd name="connsiteY2" fmla="*/ 165100 h 165100"/>
+              <a:gd name="connsiteX0" fmla="*/ 847452 w 847452"/>
+              <a:gd name="connsiteY0" fmla="*/ 25400 h 375940"/>
+              <a:gd name="connsiteX1" fmla="*/ 177800 w 847452"/>
+              <a:gd name="connsiteY1" fmla="*/ 223540 h 375940"/>
+              <a:gd name="connsiteX2" fmla="*/ 0 w 847452"/>
+              <a:gd name="connsiteY2" fmla="*/ 375940 h 375940"/>
+              <a:gd name="connsiteX0" fmla="*/ 487412 w 487412"/>
+              <a:gd name="connsiteY0" fmla="*/ 25400 h 447948"/>
+              <a:gd name="connsiteX1" fmla="*/ 177800 w 487412"/>
+              <a:gd name="connsiteY1" fmla="*/ 295548 h 447948"/>
+              <a:gd name="connsiteX2" fmla="*/ 0 w 487412"/>
+              <a:gd name="connsiteY2" fmla="*/ 447948 h 447948"/>
+              <a:gd name="connsiteX0" fmla="*/ 487412 w 487412"/>
+              <a:gd name="connsiteY0" fmla="*/ 25400 h 447948"/>
+              <a:gd name="connsiteX1" fmla="*/ 127372 w 487412"/>
+              <a:gd name="connsiteY1" fmla="*/ 241424 h 447948"/>
+              <a:gd name="connsiteX2" fmla="*/ 0 w 487412"/>
+              <a:gd name="connsiteY2" fmla="*/ 447948 h 447948"/>
+            </a:gdLst>
+            <a:ahLst/>
+            <a:cxnLst>
+              <a:cxn ang="0">
+                <a:pos x="connsiteX0" y="connsiteY0"/>
+              </a:cxn>
+              <a:cxn ang="0">
+                <a:pos x="connsiteX1" y="connsiteY1"/>
+              </a:cxn>
+              <a:cxn ang="0">
+                <a:pos x="connsiteX2" y="connsiteY2"/>
+              </a:cxn>
+            </a:cxnLst>
+            <a:rect l="l" t="t" r="r" b="b"/>
+            <a:pathLst>
+              <a:path w="487412" h="447948">
+                <a:moveTo>
+                  <a:pt x="487412" y="25400"/>
+                </a:moveTo>
+                <a:cubicBezTo>
+                  <a:pt x="326545" y="0"/>
+                  <a:pt x="208607" y="170999"/>
+                  <a:pt x="127372" y="241424"/>
+                </a:cubicBezTo>
+                <a:lnTo>
+                  <a:pt x="0" y="447948"/>
+                </a:lnTo>
+              </a:path>
+            </a:pathLst>
+          </a:custGeom>
+        </p:spPr>
+        <p:style>
+          <a:lnRef idx="1">
+            <a:schemeClr val="accent1"/>
+          </a:lnRef>
+          <a:fillRef idx="0">
+            <a:schemeClr val="accent1"/>
+          </a:fillRef>
+          <a:effectRef idx="0">
+            <a:schemeClr val="accent1"/>
+          </a:effectRef>
+          <a:fontRef idx="minor">
+            <a:schemeClr val="tx1"/>
+          </a:fontRef>
+        </p:style>
+        <p:txBody>
+          <a:bodyPr rtlCol="0" anchor="ctr"/>
+          <a:lstStyle/>
+          <a:p>
+            <a:pPr algn="ctr"/>
+            <a:endParaRPr kumimoji="1" lang="ja-JP" altLang="en-US"/>
+          </a:p>
+        </p:txBody>
+      </p:sp>
+    </p:spTree>
+  </p:cSld>
+  <p:clrMapOvr>
+    <a:masterClrMapping/>
+  </p:clrMapOvr>
+</p:sld>
+</file>
+
+<file path=ppt/slides/slide6.xml><?xml version="1.0" encoding="utf-8"?>
+<p:sld xmlns:a="http://schemas.openxmlformats.org/drawingml/2006/main" xmlns:r="http://schemas.openxmlformats.org/officeDocument/2006/relationships" xmlns:p="http://schemas.openxmlformats.org/presentationml/2006/main">
+  <p:cSld>
+    <p:spTree>
+      <p:nvGrpSpPr>
+        <p:cNvPr id="1" name=""/>
+        <p:cNvGrpSpPr/>
+        <p:nvPr/>
+      </p:nvGrpSpPr>
+      <p:grpSpPr>
+        <a:xfrm>
+          <a:off x="0" y="0"/>
+          <a:ext cx="0" cy="0"/>
+          <a:chOff x="0" y="0"/>
+          <a:chExt cx="0" cy="0"/>
+        </a:xfrm>
+      </p:grpSpPr>
+      <p:sp>
+        <p:nvSpPr>
+          <p:cNvPr id="2" name="タイトル 1"/>
+          <p:cNvSpPr>
+            <a:spLocks noGrp="1"/>
+          </p:cNvSpPr>
+          <p:nvPr>
+            <p:ph type="title"/>
+          </p:nvPr>
+        </p:nvSpPr>
+        <p:spPr/>
+        <p:txBody>
+          <a:bodyPr/>
+          <a:lstStyle/>
+          <a:p>
+            <a:r>
+              <a:rPr kumimoji="1" lang="ja-JP" altLang="en-US" dirty="0" smtClean="0"/>
+              <a:t>制度上の輪郭</a:t>
+            </a:r>
+            <a:endParaRPr kumimoji="1" lang="ja-JP" altLang="en-US" dirty="0"/>
+          </a:p>
+        </p:txBody>
+      </p:sp>
+      <p:sp>
+        <p:nvSpPr>
+          <p:cNvPr id="3" name="コンテンツ プレースホルダ 2"/>
+          <p:cNvSpPr>
+            <a:spLocks noGrp="1"/>
+          </p:cNvSpPr>
+          <p:nvPr>
+            <p:ph idx="1"/>
+          </p:nvPr>
+        </p:nvSpPr>
+        <p:spPr/>
+        <p:txBody>
+          <a:bodyPr/>
+          <a:lstStyle/>
+          <a:p>
+            <a:r>
+              <a:rPr kumimoji="1" lang="ja-JP" altLang="en-US" dirty="0" smtClean="0"/>
+              <a:t>謝金</a:t>
+            </a:r>
+            <a:r>
+              <a:rPr lang="en-US" altLang="ja-JP" dirty="0" smtClean="0"/>
+              <a:t> </a:t>
+            </a:r>
+            <a:r>
+              <a:rPr lang="en-US" altLang="ja-JP" dirty="0" smtClean="0"/>
+              <a:t>1300</a:t>
+            </a:r>
+            <a:r>
+              <a:rPr lang="ja-JP" altLang="en-US" dirty="0" smtClean="0"/>
+              <a:t>円 </a:t>
+            </a:r>
+            <a:r>
+              <a:rPr lang="en-US" altLang="ja-JP" dirty="0" smtClean="0">
+                <a:sym typeface="Symbol"/>
+              </a:rPr>
+              <a:t></a:t>
+            </a:r>
+            <a:r>
+              <a:rPr lang="en-US" altLang="ja-JP" dirty="0" smtClean="0"/>
+              <a:t> 10</a:t>
+            </a:r>
+            <a:r>
+              <a:rPr lang="ja-JP" altLang="en-US" dirty="0" smtClean="0"/>
+              <a:t>時間 </a:t>
+            </a:r>
+            <a:r>
+              <a:rPr lang="en-US" altLang="ja-JP" dirty="0" smtClean="0"/>
+              <a:t>(</a:t>
+            </a:r>
+            <a:r>
+              <a:rPr lang="ja-JP" altLang="en-US" dirty="0" smtClean="0"/>
+              <a:t>研修</a:t>
+            </a:r>
+            <a:r>
+              <a:rPr lang="en-US" altLang="ja-JP" dirty="0" smtClean="0"/>
+              <a:t>2</a:t>
+            </a:r>
+            <a:r>
+              <a:rPr lang="ja-JP" altLang="en-US" dirty="0" smtClean="0"/>
+              <a:t>時間含む</a:t>
+            </a:r>
+            <a:r>
+              <a:rPr lang="en-US" altLang="ja-JP" dirty="0" smtClean="0"/>
+              <a:t>)</a:t>
+            </a:r>
+          </a:p>
+          <a:p>
+            <a:r>
+              <a:rPr lang="ja-JP" altLang="en-US" dirty="0" smtClean="0"/>
+              <a:t>支払いはセメスター終了後になる見込み</a:t>
+            </a:r>
+            <a:endParaRPr lang="en-US" altLang="ja-JP" dirty="0" smtClean="0"/>
+          </a:p>
+          <a:p>
+            <a:endParaRPr lang="en-US" altLang="ja-JP" dirty="0" smtClean="0"/>
+          </a:p>
+          <a:p>
+            <a:r>
+              <a:rPr lang="ja-JP" altLang="en-US" dirty="0" smtClean="0"/>
+              <a:t>その他細かい注意、各種フォームへのリンクはポータルサイトをご覧ください</a:t>
+            </a:r>
+            <a:endParaRPr lang="en-US" altLang="ja-JP" dirty="0" smtClean="0"/>
+          </a:p>
+          <a:p>
+            <a:pPr lvl="1"/>
+            <a:r>
+              <a:rPr lang="en-US" altLang="ja-JP" dirty="0" smtClean="0">
+                <a:hlinkClick r:id="rId2"/>
+              </a:rPr>
+              <a:t>https://</a:t>
+            </a:r>
+            <a:r>
+              <a:rPr lang="en-US" altLang="ja-JP" dirty="0" smtClean="0">
+                <a:hlinkClick r:id="rId2"/>
+              </a:rPr>
+              <a:t>utelecon.github.io/supporters/class</a:t>
+            </a:r>
+            <a:endParaRPr lang="en-US" altLang="ja-JP" dirty="0" smtClean="0"/>
+          </a:p>
+        </p:txBody>
+      </p:sp>
+      <p:sp>
+        <p:nvSpPr>
+          <p:cNvPr id="4" name="日付プレースホルダ 3"/>
+          <p:cNvSpPr>
+            <a:spLocks noGrp="1"/>
+          </p:cNvSpPr>
+          <p:nvPr>
+            <p:ph type="dt" sz="half" idx="10"/>
+          </p:nvPr>
+        </p:nvSpPr>
+        <p:spPr/>
+        <p:txBody>
+          <a:bodyPr/>
+          <a:lstStyle/>
+          <a:p>
+            <a:r>
+              <a:rPr kumimoji="1" lang="en-US" altLang="ja-JP" smtClean="0"/>
+              <a:t>2020/4/16</a:t>
+            </a:r>
+            <a:endParaRPr kumimoji="1" lang="ja-JP" altLang="en-US"/>
+          </a:p>
+        </p:txBody>
+      </p:sp>
+      <p:sp>
+        <p:nvSpPr>
+          <p:cNvPr id="5" name="フッター プレースホルダ 4"/>
+          <p:cNvSpPr>
+            <a:spLocks noGrp="1"/>
+          </p:cNvSpPr>
+          <p:nvPr>
+            <p:ph type="ftr" sz="quarter" idx="11"/>
+          </p:nvPr>
+        </p:nvSpPr>
+        <p:spPr/>
+        <p:txBody>
+          <a:bodyPr/>
+          <a:lstStyle/>
+          <a:p>
+            <a:r>
+              <a:rPr kumimoji="1" lang="en-US" altLang="ja-JP" smtClean="0"/>
+              <a:t>utelecon.github.io</a:t>
+            </a:r>
+            <a:endParaRPr kumimoji="1" lang="ja-JP" altLang="en-US"/>
+          </a:p>
+        </p:txBody>
+      </p:sp>
+      <p:sp>
+        <p:nvSpPr>
+          <p:cNvPr id="6" name="スライド番号プレースホルダ 5"/>
+          <p:cNvSpPr>
+            <a:spLocks noGrp="1"/>
+          </p:cNvSpPr>
+          <p:nvPr>
+            <p:ph type="sldNum" sz="quarter" idx="12"/>
+          </p:nvPr>
+        </p:nvSpPr>
+        <p:spPr/>
+        <p:txBody>
+          <a:bodyPr/>
+          <a:lstStyle/>
+          <a:p>
+            <a:fld id="{EDF77D8D-9987-453A-9A05-EB91CA595C68}" type="slidenum">
+              <a:rPr kumimoji="1" lang="ja-JP" altLang="en-US" smtClean="0"/>
+              <a:pPr/>
+              <a:t>6</a:t>
+            </a:fld>
+            <a:endParaRPr kumimoji="1" lang="ja-JP" altLang="en-US"/>
+          </a:p>
+        </p:txBody>
+      </p:sp>
+    </p:spTree>
+  </p:cSld>
+  <p:clrMapOvr>
+    <a:masterClrMapping/>
+  </p:clrMapOvr>
+</p:sld>
+</file>
+
 <file path=ppt/theme/theme1.xml><?xml version="1.0" encoding="utf-8"?>
 <a:theme xmlns:a="http://schemas.openxmlformats.org/drawingml/2006/main" name="雪藤">
   <a:themeElements>
-    <a:clrScheme name="雪藤">
+    <a:clrScheme name="リゾート">
       <a:dk1>
         <a:sysClr val="windowText" lastClr="000000"/>
       </a:dk1>
@@ -52573,34 +55747,34 @@
         <a:sysClr val="window" lastClr="FFFFFF"/>
       </a:lt1>
       <a:dk2>
-        <a:srgbClr val="000049"/>
+        <a:srgbClr val="04617B"/>
       </a:dk2>
       <a:lt2>
-        <a:srgbClr val="E3E8FF"/>
+        <a:srgbClr val="DBF5F9"/>
       </a:lt2>
       <a:accent1>
-        <a:srgbClr val="947098"/>
+        <a:srgbClr val="0F6FC6"/>
       </a:accent1>
       <a:accent2>
-        <a:srgbClr val="809E90"/>
+        <a:srgbClr val="009DD9"/>
       </a:accent2>
       <a:accent3>
-        <a:srgbClr val="7574AC"/>
+        <a:srgbClr val="0BD0D9"/>
       </a:accent3>
       <a:accent4>
-        <a:srgbClr val="A4715D"/>
+        <a:srgbClr val="10CF9B"/>
       </a:accent4>
       <a:accent5>
-        <a:srgbClr val="9E9E78"/>
+        <a:srgbClr val="7CCA62"/>
       </a:accent5>
       <a:accent6>
-        <a:srgbClr val="6079A4"/>
+        <a:srgbClr val="A5C249"/>
       </a:accent6>
       <a:hlink>
-        <a:srgbClr val="0000FF"/>
+        <a:srgbClr val="E2D700"/>
       </a:hlink>
       <a:folHlink>
-        <a:srgbClr val="800080"/>
+        <a:srgbClr val="85DFD0"/>
       </a:folHlink>
     </a:clrScheme>
     <a:fontScheme name="ユーザー定義 1">

--- a/events/2020-04-16/04-supporters.pptx
+++ b/events/2020-04-16/04-supporters.pptx
@@ -52246,11 +52246,7 @@
           <a:p>
             <a:r>
               <a:rPr lang="ja-JP" altLang="en-US" dirty="0" smtClean="0"/>
-              <a:t>クラスサポータに</a:t>
-            </a:r>
-            <a:r>
-              <a:rPr lang="ja-JP" altLang="en-US" dirty="0" smtClean="0"/>
-              <a:t>ついて</a:t>
+              <a:t>クラスサポータについて</a:t>
             </a:r>
             <a:r>
               <a:rPr lang="en-US" altLang="ja-JP" dirty="0" smtClean="0"/>
@@ -52408,11 +52404,7 @@
           <a:p>
             <a:r>
               <a:rPr lang="ja-JP" altLang="en-US" dirty="0" smtClean="0"/>
-              <a:t>想定</a:t>
-            </a:r>
-            <a:r>
-              <a:rPr lang="ja-JP" altLang="en-US" dirty="0" smtClean="0"/>
-              <a:t>する仕事の例</a:t>
+              <a:t>想定する仕事の例</a:t>
             </a:r>
             <a:endParaRPr lang="en-US" altLang="ja-JP" dirty="0" smtClean="0"/>
           </a:p>
@@ -52420,11 +52412,7 @@
             <a:pPr lvl="1"/>
             <a:r>
               <a:rPr lang="ja-JP" altLang="en-US" dirty="0" smtClean="0"/>
-              <a:t>授業時間外に</a:t>
-            </a:r>
-            <a:r>
-              <a:rPr lang="ja-JP" altLang="en-US" dirty="0" smtClean="0"/>
-              <a:t>，</a:t>
+              <a:t>授業時間外に，</a:t>
             </a:r>
             <a:r>
               <a:rPr lang="ja-JP" altLang="en-US" dirty="0" smtClean="0">
@@ -52432,23 +52420,7 @@
                   <a:srgbClr val="F010D5"/>
                 </a:solidFill>
               </a:rPr>
-              <a:t>先生と事前</a:t>
-            </a:r>
-            <a:r>
-              <a:rPr lang="ja-JP" altLang="en-US" dirty="0" smtClean="0">
-                <a:solidFill>
-                  <a:srgbClr val="F010D5"/>
-                </a:solidFill>
-              </a:rPr>
-              <a:t>練習や試行</a:t>
-            </a:r>
-            <a:r>
-              <a:rPr lang="ja-JP" altLang="en-US" dirty="0" smtClean="0">
-                <a:solidFill>
-                  <a:srgbClr val="F010D5"/>
-                </a:solidFill>
-              </a:rPr>
-              <a:t>錯誤</a:t>
+              <a:t>先生と事前練習や試行錯誤</a:t>
             </a:r>
             <a:endParaRPr lang="en-US" altLang="ja-JP" dirty="0" smtClean="0">
               <a:solidFill>
@@ -52476,11 +52448,7 @@
             <a:pPr lvl="1"/>
             <a:r>
               <a:rPr lang="ja-JP" altLang="en-US" dirty="0" smtClean="0"/>
-              <a:t>授業中</a:t>
-            </a:r>
-            <a:r>
-              <a:rPr lang="ja-JP" altLang="en-US" dirty="0" smtClean="0"/>
-              <a:t>の</a:t>
+              <a:t>授業中の</a:t>
             </a:r>
             <a:r>
               <a:rPr lang="ja-JP" altLang="en-US" dirty="0" smtClean="0">
@@ -52488,31 +52456,11 @@
                   <a:srgbClr val="F010D5"/>
                 </a:solidFill>
               </a:rPr>
-              <a:t>基本的</a:t>
-            </a:r>
-            <a:r>
-              <a:rPr lang="ja-JP" altLang="en-US" dirty="0" smtClean="0">
-                <a:solidFill>
-                  <a:srgbClr val="F010D5"/>
-                </a:solidFill>
-              </a:rPr>
-              <a:t>なトラブル</a:t>
+              <a:t>基本的なトラブル</a:t>
             </a:r>
             <a:r>
               <a:rPr lang="ja-JP" altLang="en-US" dirty="0" smtClean="0"/>
-              <a:t>に</a:t>
-            </a:r>
-            <a:r>
-              <a:rPr lang="ja-JP" altLang="en-US" dirty="0" smtClean="0"/>
-              <a:t>反応</a:t>
-            </a:r>
-            <a:r>
-              <a:rPr lang="ja-JP" altLang="en-US" dirty="0" smtClean="0"/>
-              <a:t>・</a:t>
-            </a:r>
-            <a:r>
-              <a:rPr lang="ja-JP" altLang="en-US" dirty="0" smtClean="0"/>
-              <a:t>介入</a:t>
+              <a:t>に反応・介入</a:t>
             </a:r>
             <a:endParaRPr lang="en-US" altLang="ja-JP" dirty="0" smtClean="0"/>
           </a:p>
@@ -52536,15 +52484,7 @@
                   <a:srgbClr val="F010D5"/>
                 </a:solidFill>
               </a:rPr>
-              <a:t>情報のゆるやかな収集と</a:t>
-            </a:r>
-            <a:r>
-              <a:rPr lang="ja-JP" altLang="en-US" dirty="0" smtClean="0">
-                <a:solidFill>
-                  <a:srgbClr val="F010D5"/>
-                </a:solidFill>
-              </a:rPr>
-              <a:t>共有</a:t>
+              <a:t>情報のゆるやかな収集と共有</a:t>
             </a:r>
             <a:endParaRPr lang="en-US" altLang="ja-JP" dirty="0" smtClean="0">
               <a:solidFill>
@@ -52729,15 +52669,7 @@
             </a:r>
             <a:r>
               <a:rPr lang="ja-JP" altLang="en-US" dirty="0" smtClean="0"/>
-              <a:t>会議ツールを全く</a:t>
-            </a:r>
-            <a:r>
-              <a:rPr lang="ja-JP" altLang="en-US" dirty="0" smtClean="0"/>
-              <a:t>覚えなくて</a:t>
-            </a:r>
-            <a:r>
-              <a:rPr lang="ja-JP" altLang="en-US" dirty="0" smtClean="0"/>
-              <a:t>も済むようすべてお膳立て</a:t>
+              <a:t>会議ツールを全く覚えなくても済むようすべてお膳立て</a:t>
             </a:r>
             <a:endParaRPr lang="en-US" altLang="ja-JP" dirty="0" smtClean="0"/>
           </a:p>
@@ -52776,15 +52708,7 @@
             </a:r>
             <a:r>
               <a:rPr lang="ja-JP" altLang="en-US" dirty="0" smtClean="0"/>
-              <a:t>授業</a:t>
-            </a:r>
-            <a:r>
-              <a:rPr lang="ja-JP" altLang="en-US" dirty="0" smtClean="0"/>
-              <a:t>時間中</a:t>
-            </a:r>
-            <a:r>
-              <a:rPr lang="ja-JP" altLang="en-US" dirty="0" smtClean="0"/>
-              <a:t>の</a:t>
+              <a:t>授業時間中の</a:t>
             </a:r>
             <a:r>
               <a:rPr lang="ja-JP" altLang="en-US" dirty="0" smtClean="0">
@@ -52792,15 +52716,7 @@
                   <a:srgbClr val="FF0000"/>
                 </a:solidFill>
               </a:rPr>
-              <a:t>大量</a:t>
-            </a:r>
-            <a:r>
-              <a:rPr lang="ja-JP" altLang="en-US" dirty="0" smtClean="0">
-                <a:solidFill>
-                  <a:srgbClr val="FF0000"/>
-                </a:solidFill>
-              </a:rPr>
-              <a:t>の</a:t>
+              <a:t>大量の</a:t>
             </a:r>
             <a:r>
               <a:rPr lang="ja-JP" altLang="en-US" dirty="0" smtClean="0"/>
@@ -52856,15 +52772,7 @@
             </a:r>
             <a:r>
               <a:rPr lang="ja-JP" altLang="en-US" dirty="0" smtClean="0"/>
-              <a:t>活動</a:t>
-            </a:r>
-            <a:r>
-              <a:rPr lang="ja-JP" altLang="en-US" dirty="0" smtClean="0"/>
-              <a:t>制限を尊重しない</a:t>
-            </a:r>
-            <a:r>
-              <a:rPr lang="ja-JP" altLang="en-US" dirty="0" smtClean="0"/>
-              <a:t>仕事（例えば現在登校・外出が必須な仕事）</a:t>
+              <a:t>活動制限を尊重しない仕事（例えば現在登校・外出が必須な仕事）</a:t>
             </a:r>
             <a:endParaRPr kumimoji="1" lang="ja-JP" altLang="en-US" dirty="0"/>
           </a:p>
@@ -53023,15 +52931,7 @@
             </a:r>
             <a:r>
               <a:rPr lang="ja-JP" altLang="en-US" sz="2000" dirty="0" smtClean="0"/>
-              <a:t>研究室</a:t>
-            </a:r>
-            <a:r>
-              <a:rPr lang="ja-JP" altLang="en-US" sz="2000" dirty="0" smtClean="0"/>
-              <a:t>、専攻、授業を受ける</a:t>
-            </a:r>
-            <a:r>
-              <a:rPr lang="ja-JP" altLang="en-US" sz="2000" dirty="0" smtClean="0"/>
-              <a:t>学生）</a:t>
+              <a:t>研究室、専攻、授業を受ける学生）</a:t>
             </a:r>
             <a:endParaRPr kumimoji="1" lang="en-US" altLang="ja-JP" dirty="0" smtClean="0"/>
           </a:p>
@@ -53053,11 +52953,7 @@
             </a:r>
             <a:r>
               <a:rPr lang="ja-JP" altLang="en-US" dirty="0" smtClean="0"/>
-              <a:t>開始報告フォーム</a:t>
-            </a:r>
-            <a:r>
-              <a:rPr lang="ja-JP" altLang="en-US" dirty="0" smtClean="0"/>
-              <a:t>（先生または学生）</a:t>
+              <a:t>開始報告フォーム（先生または学生）</a:t>
             </a:r>
             <a:endParaRPr lang="en-US" altLang="ja-JP" dirty="0" smtClean="0"/>
           </a:p>
@@ -54329,15 +54225,7 @@
             </a:r>
             <a:r>
               <a:rPr lang="ja-JP" altLang="en-US" sz="2800" dirty="0" smtClean="0"/>
-              <a:t>開始</a:t>
-            </a:r>
-            <a:r>
-              <a:rPr lang="ja-JP" altLang="en-US" sz="2800" dirty="0" smtClean="0"/>
-              <a:t>報告</a:t>
-            </a:r>
-            <a:r>
-              <a:rPr lang="ja-JP" altLang="en-US" sz="2800" dirty="0" smtClean="0"/>
-              <a:t>フォーム（先生または学生）</a:t>
+              <a:t>開始報告フォーム（先生または学生）</a:t>
             </a:r>
             <a:endParaRPr kumimoji="1" lang="en-US" altLang="ja-JP" sz="2800" dirty="0" smtClean="0"/>
           </a:p>
@@ -55578,11 +55466,7 @@
             </a:r>
             <a:r>
               <a:rPr lang="en-US" altLang="ja-JP" dirty="0" smtClean="0"/>
-              <a:t> </a:t>
-            </a:r>
-            <a:r>
-              <a:rPr lang="en-US" altLang="ja-JP" dirty="0" smtClean="0"/>
-              <a:t>1300</a:t>
+              <a:t> 1300</a:t>
             </a:r>
             <a:r>
               <a:rPr lang="ja-JP" altLang="en-US" dirty="0" smtClean="0"/>
@@ -55599,8 +55483,16 @@
               <a:t> 10</a:t>
             </a:r>
             <a:r>
-              <a:rPr lang="ja-JP" altLang="en-US" dirty="0" smtClean="0"/>
-              <a:t>時間 </a:t>
+              <a:rPr lang="ja-JP" altLang="en-US" smtClean="0"/>
+              <a:t>時間</a:t>
+            </a:r>
+            <a:r>
+              <a:rPr lang="ja-JP" altLang="en-US" smtClean="0"/>
+              <a:t>以内</a:t>
+            </a:r>
+            <a:r>
+              <a:rPr lang="ja-JP" altLang="en-US" smtClean="0"/>
+              <a:t> </a:t>
             </a:r>
             <a:r>
               <a:rPr lang="en-US" altLang="ja-JP" dirty="0" smtClean="0"/>
@@ -55646,13 +55538,7 @@
               <a:rPr lang="en-US" altLang="ja-JP" dirty="0" smtClean="0">
                 <a:hlinkClick r:id="rId2"/>
               </a:rPr>
-              <a:t>https://</a:t>
-            </a:r>
-            <a:r>
-              <a:rPr lang="en-US" altLang="ja-JP" dirty="0" smtClean="0">
-                <a:hlinkClick r:id="rId2"/>
-              </a:rPr>
-              <a:t>utelecon.github.io/supporters/class</a:t>
+              <a:t>https://utelecon.github.io/supporters/class</a:t>
             </a:r>
             <a:endParaRPr lang="en-US" altLang="ja-JP" dirty="0" smtClean="0"/>
           </a:p>
